--- a/Slides/Lecture 4.pptx
+++ b/Slides/Lecture 4.pptx
@@ -5,7 +5,7 @@
     <p:sldMasterId id="2147483648" r:id="rId1"/>
   </p:sldMasterIdLst>
   <p:notesMasterIdLst>
-    <p:notesMasterId r:id="rId45"/>
+    <p:notesMasterId r:id="rId46"/>
   </p:notesMasterIdLst>
   <p:sldIdLst>
     <p:sldId id="256" r:id="rId2"/>
@@ -51,6 +51,7 @@
     <p:sldId id="338" r:id="rId42"/>
     <p:sldId id="337" r:id="rId43"/>
     <p:sldId id="346" r:id="rId44"/>
+    <p:sldId id="348" r:id="rId45"/>
   </p:sldIdLst>
   <p:sldSz cx="12192000" cy="6858000"/>
   <p:notesSz cx="6858000" cy="9144000"/>
@@ -251,7 +252,7 @@
           <a:p>
             <a:fld id="{1CB48AD5-CDAE-4B7B-B49D-6DB81FF5A179}" type="datetimeFigureOut">
               <a:rPr lang="en-US" smtClean="0"/>
-              <a:t>2/4/2021</a:t>
+              <a:t>2/16/2021</a:t>
             </a:fld>
             <a:endParaRPr lang="en-US"/>
           </a:p>
@@ -665,7 +666,7 @@
           <a:p>
             <a:fld id="{C4959B56-7D6D-462F-B061-93C9E323EE8A}" type="datetimeFigureOut">
               <a:rPr lang="en-US" smtClean="0"/>
-              <a:t>2/4/2021</a:t>
+              <a:t>2/16/2021</a:t>
             </a:fld>
             <a:endParaRPr lang="en-US"/>
           </a:p>
@@ -863,7 +864,7 @@
           <a:p>
             <a:fld id="{C4959B56-7D6D-462F-B061-93C9E323EE8A}" type="datetimeFigureOut">
               <a:rPr lang="en-US" smtClean="0"/>
-              <a:t>2/4/2021</a:t>
+              <a:t>2/16/2021</a:t>
             </a:fld>
             <a:endParaRPr lang="en-US"/>
           </a:p>
@@ -1071,7 +1072,7 @@
           <a:p>
             <a:fld id="{C4959B56-7D6D-462F-B061-93C9E323EE8A}" type="datetimeFigureOut">
               <a:rPr lang="en-US" smtClean="0"/>
-              <a:t>2/4/2021</a:t>
+              <a:t>2/16/2021</a:t>
             </a:fld>
             <a:endParaRPr lang="en-US"/>
           </a:p>
@@ -1269,7 +1270,7 @@
           <a:p>
             <a:fld id="{C4959B56-7D6D-462F-B061-93C9E323EE8A}" type="datetimeFigureOut">
               <a:rPr lang="en-US" smtClean="0"/>
-              <a:t>2/4/2021</a:t>
+              <a:t>2/16/2021</a:t>
             </a:fld>
             <a:endParaRPr lang="en-US"/>
           </a:p>
@@ -1544,7 +1545,7 @@
           <a:p>
             <a:fld id="{C4959B56-7D6D-462F-B061-93C9E323EE8A}" type="datetimeFigureOut">
               <a:rPr lang="en-US" smtClean="0"/>
-              <a:t>2/4/2021</a:t>
+              <a:t>2/16/2021</a:t>
             </a:fld>
             <a:endParaRPr lang="en-US"/>
           </a:p>
@@ -1809,7 +1810,7 @@
           <a:p>
             <a:fld id="{C4959B56-7D6D-462F-B061-93C9E323EE8A}" type="datetimeFigureOut">
               <a:rPr lang="en-US" smtClean="0"/>
-              <a:t>2/4/2021</a:t>
+              <a:t>2/16/2021</a:t>
             </a:fld>
             <a:endParaRPr lang="en-US"/>
           </a:p>
@@ -2221,7 +2222,7 @@
           <a:p>
             <a:fld id="{C4959B56-7D6D-462F-B061-93C9E323EE8A}" type="datetimeFigureOut">
               <a:rPr lang="en-US" smtClean="0"/>
-              <a:t>2/4/2021</a:t>
+              <a:t>2/16/2021</a:t>
             </a:fld>
             <a:endParaRPr lang="en-US"/>
           </a:p>
@@ -2362,7 +2363,7 @@
           <a:p>
             <a:fld id="{C4959B56-7D6D-462F-B061-93C9E323EE8A}" type="datetimeFigureOut">
               <a:rPr lang="en-US" smtClean="0"/>
-              <a:t>2/4/2021</a:t>
+              <a:t>2/16/2021</a:t>
             </a:fld>
             <a:endParaRPr lang="en-US"/>
           </a:p>
@@ -2475,7 +2476,7 @@
           <a:p>
             <a:fld id="{C4959B56-7D6D-462F-B061-93C9E323EE8A}" type="datetimeFigureOut">
               <a:rPr lang="en-US" smtClean="0"/>
-              <a:t>2/4/2021</a:t>
+              <a:t>2/16/2021</a:t>
             </a:fld>
             <a:endParaRPr lang="en-US"/>
           </a:p>
@@ -2786,7 +2787,7 @@
           <a:p>
             <a:fld id="{C4959B56-7D6D-462F-B061-93C9E323EE8A}" type="datetimeFigureOut">
               <a:rPr lang="en-US" smtClean="0"/>
-              <a:t>2/4/2021</a:t>
+              <a:t>2/16/2021</a:t>
             </a:fld>
             <a:endParaRPr lang="en-US"/>
           </a:p>
@@ -3074,7 +3075,7 @@
           <a:p>
             <a:fld id="{C4959B56-7D6D-462F-B061-93C9E323EE8A}" type="datetimeFigureOut">
               <a:rPr lang="en-US" smtClean="0"/>
-              <a:t>2/4/2021</a:t>
+              <a:t>2/16/2021</a:t>
             </a:fld>
             <a:endParaRPr lang="en-US"/>
           </a:p>
@@ -3315,7 +3316,7 @@
           <a:p>
             <a:fld id="{C4959B56-7D6D-462F-B061-93C9E323EE8A}" type="datetimeFigureOut">
               <a:rPr lang="en-US" smtClean="0"/>
-              <a:t>2/4/2021</a:t>
+              <a:t>2/16/2021</a:t>
             </a:fld>
             <a:endParaRPr lang="en-US"/>
           </a:p>
@@ -3914,8 +3915,8 @@
           </a:p>
         </p:txBody>
       </p:sp>
-      <mc:AlternateContent xmlns:mc="http://schemas.openxmlformats.org/markup-compatibility/2006">
-        <mc:Choice xmlns:a14="http://schemas.microsoft.com/office/drawing/2010/main" Requires="a14">
+      <mc:AlternateContent xmlns:mc="http://schemas.openxmlformats.org/markup-compatibility/2006" xmlns:a14="http://schemas.microsoft.com/office/drawing/2010/main">
+        <mc:Choice Requires="a14">
           <p:sp>
             <p:nvSpPr>
               <p:cNvPr id="3" name="Content Placeholder 2">
@@ -4233,7 +4234,7 @@
             </p:txBody>
           </p:sp>
         </mc:Choice>
-        <mc:Fallback>
+        <mc:Fallback xmlns="">
           <p:sp>
             <p:nvSpPr>
               <p:cNvPr id="3" name="Content Placeholder 2">
@@ -4459,8 +4460,8 @@
           </a:p>
         </p:txBody>
       </p:sp>
-      <mc:AlternateContent xmlns:mc="http://schemas.openxmlformats.org/markup-compatibility/2006">
-        <mc:Choice xmlns:a14="http://schemas.microsoft.com/office/drawing/2010/main" Requires="a14">
+      <mc:AlternateContent xmlns:mc="http://schemas.openxmlformats.org/markup-compatibility/2006" xmlns:a14="http://schemas.microsoft.com/office/drawing/2010/main">
+        <mc:Choice Requires="a14">
           <p:sp>
             <p:nvSpPr>
               <p:cNvPr id="3" name="Content Placeholder 2">
@@ -4502,25 +4503,7 @@
                         </a:solidFill>
                         <a:latin typeface="Cambria Math" panose="02040503050406030204" pitchFamily="18" charset="0"/>
                       </a:rPr>
-                      <m:t>𝑝𝑡</m:t>
-                    </m:r>
-                    <m:r>
-                      <a:rPr lang="en-US" sz="2000" b="0" i="1" smtClean="0">
-                        <a:solidFill>
-                          <a:schemeClr val="tx1"/>
-                        </a:solidFill>
-                        <a:latin typeface="Cambria Math" panose="02040503050406030204" pitchFamily="18" charset="0"/>
-                      </a:rPr>
-                      <m:t>h</m:t>
-                    </m:r>
-                    <m:r>
-                      <a:rPr lang="en-US" sz="2000" b="0" i="1" smtClean="0">
-                        <a:solidFill>
-                          <a:schemeClr val="tx1"/>
-                        </a:solidFill>
-                        <a:latin typeface="Cambria Math" panose="02040503050406030204" pitchFamily="18" charset="0"/>
-                      </a:rPr>
-                      <m:t>𝑟𝑒𝑎𝑑</m:t>
+                      <m:t>𝑝𝑡h𝑟𝑒𝑎𝑑</m:t>
                     </m:r>
                     <m:r>
                       <a:rPr lang="en-US" sz="2000" b="0" i="1" smtClean="0">
@@ -4621,25 +4604,7 @@
                         </a:solidFill>
                         <a:latin typeface="Cambria Math" panose="02040503050406030204" pitchFamily="18" charset="0"/>
                       </a:rPr>
-                      <m:t>𝑝𝑡</m:t>
-                    </m:r>
-                    <m:r>
-                      <a:rPr lang="en-US" sz="2000" b="0" i="1" smtClean="0">
-                        <a:solidFill>
-                          <a:schemeClr val="tx1"/>
-                        </a:solidFill>
-                        <a:latin typeface="Cambria Math" panose="02040503050406030204" pitchFamily="18" charset="0"/>
-                      </a:rPr>
-                      <m:t>h</m:t>
-                    </m:r>
-                    <m:r>
-                      <a:rPr lang="en-US" sz="2000" b="0" i="1" smtClean="0">
-                        <a:solidFill>
-                          <a:schemeClr val="tx1"/>
-                        </a:solidFill>
-                        <a:latin typeface="Cambria Math" panose="02040503050406030204" pitchFamily="18" charset="0"/>
-                      </a:rPr>
-                      <m:t>𝑟𝑒𝑎𝑑</m:t>
+                      <m:t>𝑝𝑡h𝑟𝑒𝑎𝑑</m:t>
                     </m:r>
                     <m:r>
                       <a:rPr lang="en-US" sz="2000" b="0" i="1" smtClean="0">
@@ -4771,7 +4736,7 @@
             </p:txBody>
           </p:sp>
         </mc:Choice>
-        <mc:Fallback>
+        <mc:Fallback xmlns="">
           <p:sp>
             <p:nvSpPr>
               <p:cNvPr id="3" name="Content Placeholder 2">
@@ -4904,8 +4869,8 @@
           </a:p>
         </p:txBody>
       </p:sp>
-      <mc:AlternateContent xmlns:mc="http://schemas.openxmlformats.org/markup-compatibility/2006">
-        <mc:Choice xmlns:a14="http://schemas.microsoft.com/office/drawing/2010/main" Requires="a14">
+      <mc:AlternateContent xmlns:mc="http://schemas.openxmlformats.org/markup-compatibility/2006" xmlns:a14="http://schemas.microsoft.com/office/drawing/2010/main">
+        <mc:Choice Requires="a14">
           <p:sp>
             <p:nvSpPr>
               <p:cNvPr id="3" name="Content Placeholder 2">
@@ -5593,7 +5558,7 @@
             </p:txBody>
           </p:sp>
         </mc:Choice>
-        <mc:Fallback>
+        <mc:Fallback xmlns="">
           <p:sp>
             <p:nvSpPr>
               <p:cNvPr id="3" name="Content Placeholder 2">
@@ -5943,8 +5908,8 @@
           </a:p>
         </p:txBody>
       </p:sp>
-      <mc:AlternateContent xmlns:mc="http://schemas.openxmlformats.org/markup-compatibility/2006">
-        <mc:Choice xmlns:a14="http://schemas.microsoft.com/office/drawing/2010/main" Requires="a14">
+      <mc:AlternateContent xmlns:mc="http://schemas.openxmlformats.org/markup-compatibility/2006" xmlns:a14="http://schemas.microsoft.com/office/drawing/2010/main">
+        <mc:Choice Requires="a14">
           <p:sp>
             <p:nvSpPr>
               <p:cNvPr id="3" name="Content Placeholder 2">
@@ -6324,7 +6289,7 @@
             </p:txBody>
           </p:sp>
         </mc:Choice>
-        <mc:Fallback>
+        <mc:Fallback xmlns="">
           <p:sp>
             <p:nvSpPr>
               <p:cNvPr id="3" name="Content Placeholder 2">
@@ -6457,8 +6422,8 @@
           </a:p>
         </p:txBody>
       </p:sp>
-      <mc:AlternateContent xmlns:mc="http://schemas.openxmlformats.org/markup-compatibility/2006">
-        <mc:Choice xmlns:a14="http://schemas.microsoft.com/office/drawing/2010/main" Requires="a14">
+      <mc:AlternateContent xmlns:mc="http://schemas.openxmlformats.org/markup-compatibility/2006" xmlns:a14="http://schemas.microsoft.com/office/drawing/2010/main">
+        <mc:Choice Requires="a14">
           <p:sp>
             <p:nvSpPr>
               <p:cNvPr id="3" name="Content Placeholder 2">
@@ -6500,25 +6465,7 @@
                         </a:solidFill>
                         <a:latin typeface="Cambria Math" panose="02040503050406030204" pitchFamily="18" charset="0"/>
                       </a:rPr>
-                      <m:t>𝑝𝑡</m:t>
-                    </m:r>
-                    <m:r>
-                      <a:rPr lang="en-US" sz="2000" b="0" i="1" smtClean="0">
-                        <a:solidFill>
-                          <a:schemeClr val="tx1"/>
-                        </a:solidFill>
-                        <a:latin typeface="Cambria Math" panose="02040503050406030204" pitchFamily="18" charset="0"/>
-                      </a:rPr>
-                      <m:t>h</m:t>
-                    </m:r>
-                    <m:r>
-                      <a:rPr lang="en-US" sz="2000" b="0" i="1" smtClean="0">
-                        <a:solidFill>
-                          <a:schemeClr val="tx1"/>
-                        </a:solidFill>
-                        <a:latin typeface="Cambria Math" panose="02040503050406030204" pitchFamily="18" charset="0"/>
-                      </a:rPr>
-                      <m:t>𝑟𝑒𝑎𝑑</m:t>
+                      <m:t>𝑝𝑡h𝑟𝑒𝑎𝑑</m:t>
                     </m:r>
                     <m:r>
                       <a:rPr lang="en-US" sz="2000" b="0" i="1" smtClean="0">
@@ -6614,25 +6561,7 @@
                         </a:solidFill>
                         <a:latin typeface="Cambria Math" panose="02040503050406030204" pitchFamily="18" charset="0"/>
                       </a:rPr>
-                      <m:t>𝑝𝑡</m:t>
-                    </m:r>
-                    <m:r>
-                      <a:rPr lang="en-US" sz="2000" b="0" i="1" smtClean="0">
-                        <a:solidFill>
-                          <a:schemeClr val="tx1"/>
-                        </a:solidFill>
-                        <a:latin typeface="Cambria Math" panose="02040503050406030204" pitchFamily="18" charset="0"/>
-                      </a:rPr>
-                      <m:t>h</m:t>
-                    </m:r>
-                    <m:r>
-                      <a:rPr lang="en-US" sz="2000" b="0" i="1" smtClean="0">
-                        <a:solidFill>
-                          <a:schemeClr val="tx1"/>
-                        </a:solidFill>
-                        <a:latin typeface="Cambria Math" panose="02040503050406030204" pitchFamily="18" charset="0"/>
-                      </a:rPr>
-                      <m:t>𝑟𝑒𝑎𝑑</m:t>
+                      <m:t>𝑝𝑡h𝑟𝑒𝑎𝑑</m:t>
                     </m:r>
                     <m:r>
                       <a:rPr lang="en-US" sz="2000" b="0" i="1" smtClean="0">
@@ -6743,7 +6672,7 @@
             </p:txBody>
           </p:sp>
         </mc:Choice>
-        <mc:Fallback>
+        <mc:Fallback xmlns="">
           <p:sp>
             <p:nvSpPr>
               <p:cNvPr id="3" name="Content Placeholder 2">
@@ -6999,8 +6928,8 @@
           </a:p>
         </p:txBody>
       </p:sp>
-      <mc:AlternateContent xmlns:mc="http://schemas.openxmlformats.org/markup-compatibility/2006">
-        <mc:Choice xmlns:a14="http://schemas.microsoft.com/office/drawing/2010/main" Requires="a14">
+      <mc:AlternateContent xmlns:mc="http://schemas.openxmlformats.org/markup-compatibility/2006" xmlns:a14="http://schemas.microsoft.com/office/drawing/2010/main">
+        <mc:Choice Requires="a14">
           <p:sp>
             <p:nvSpPr>
               <p:cNvPr id="3" name="Content Placeholder 2">
@@ -7258,7 +7187,7 @@
             </p:txBody>
           </p:sp>
         </mc:Choice>
-        <mc:Fallback>
+        <mc:Fallback xmlns="">
           <p:sp>
             <p:nvSpPr>
               <p:cNvPr id="3" name="Content Placeholder 2">
@@ -7511,8 +7440,8 @@
           </a:p>
         </p:txBody>
       </p:sp>
-      <mc:AlternateContent xmlns:mc="http://schemas.openxmlformats.org/markup-compatibility/2006">
-        <mc:Choice xmlns:a14="http://schemas.microsoft.com/office/drawing/2010/main" Requires="a14">
+      <mc:AlternateContent xmlns:mc="http://schemas.openxmlformats.org/markup-compatibility/2006" xmlns:a14="http://schemas.microsoft.com/office/drawing/2010/main">
+        <mc:Choice Requires="a14">
           <p:sp>
             <p:nvSpPr>
               <p:cNvPr id="3" name="Content Placeholder 2">
@@ -7963,7 +7892,7 @@
             </p:txBody>
           </p:sp>
         </mc:Choice>
-        <mc:Fallback>
+        <mc:Fallback xmlns="">
           <p:sp>
             <p:nvSpPr>
               <p:cNvPr id="3" name="Content Placeholder 2">
@@ -8096,8 +8025,8 @@
           </a:p>
         </p:txBody>
       </p:sp>
-      <mc:AlternateContent xmlns:mc="http://schemas.openxmlformats.org/markup-compatibility/2006">
-        <mc:Choice xmlns:a14="http://schemas.microsoft.com/office/drawing/2010/main" Requires="a14">
+      <mc:AlternateContent xmlns:mc="http://schemas.openxmlformats.org/markup-compatibility/2006" xmlns:a14="http://schemas.microsoft.com/office/drawing/2010/main">
+        <mc:Choice Requires="a14">
           <p:sp>
             <p:nvSpPr>
               <p:cNvPr id="3" name="Content Placeholder 2">
@@ -8379,7 +8308,7 @@
             </p:txBody>
           </p:sp>
         </mc:Choice>
-        <mc:Fallback>
+        <mc:Fallback xmlns="">
           <p:sp>
             <p:nvSpPr>
               <p:cNvPr id="3" name="Content Placeholder 2">
@@ -8512,8 +8441,8 @@
           </a:p>
         </p:txBody>
       </p:sp>
-      <mc:AlternateContent xmlns:mc="http://schemas.openxmlformats.org/markup-compatibility/2006">
-        <mc:Choice xmlns:a14="http://schemas.microsoft.com/office/drawing/2010/main" Requires="a14">
+      <mc:AlternateContent xmlns:mc="http://schemas.openxmlformats.org/markup-compatibility/2006" xmlns:a14="http://schemas.microsoft.com/office/drawing/2010/main">
+        <mc:Choice Requires="a14">
           <p:sp>
             <p:nvSpPr>
               <p:cNvPr id="3" name="Content Placeholder 2">
@@ -8845,7 +8774,7 @@
             </p:txBody>
           </p:sp>
         </mc:Choice>
-        <mc:Fallback>
+        <mc:Fallback xmlns="">
           <p:sp>
             <p:nvSpPr>
               <p:cNvPr id="3" name="Content Placeholder 2">
@@ -8948,8 +8877,8 @@
           </a:p>
         </p:txBody>
       </p:sp>
-      <mc:AlternateContent xmlns:mc="http://schemas.openxmlformats.org/markup-compatibility/2006">
-        <mc:Choice xmlns:a14="http://schemas.microsoft.com/office/drawing/2010/main" Requires="a14">
+      <mc:AlternateContent xmlns:mc="http://schemas.openxmlformats.org/markup-compatibility/2006" xmlns:a14="http://schemas.microsoft.com/office/drawing/2010/main">
+        <mc:Choice Requires="a14">
           <p:sp>
             <p:nvSpPr>
               <p:cNvPr id="3" name="Content Placeholder 2">
@@ -8998,25 +8927,7 @@
                         </a:solidFill>
                         <a:latin typeface="Cambria Math" panose="02040503050406030204" pitchFamily="18" charset="0"/>
                       </a:rPr>
-                      <m:t>𝑝𝑡</m:t>
-                    </m:r>
-                    <m:r>
-                      <a:rPr lang="en-US" sz="2000" b="0" i="1" smtClean="0">
-                        <a:solidFill>
-                          <a:schemeClr val="tx1"/>
-                        </a:solidFill>
-                        <a:latin typeface="Cambria Math" panose="02040503050406030204" pitchFamily="18" charset="0"/>
-                      </a:rPr>
-                      <m:t>h</m:t>
-                    </m:r>
-                    <m:r>
-                      <a:rPr lang="en-US" sz="2000" b="0" i="1" smtClean="0">
-                        <a:solidFill>
-                          <a:schemeClr val="tx1"/>
-                        </a:solidFill>
-                        <a:latin typeface="Cambria Math" panose="02040503050406030204" pitchFamily="18" charset="0"/>
-                      </a:rPr>
-                      <m:t>𝑟𝑒𝑎𝑑</m:t>
+                      <m:t>𝑝𝑡h𝑟𝑒𝑎𝑑</m:t>
                     </m:r>
                     <m:r>
                       <a:rPr lang="en-US" sz="2000" b="0" i="1" smtClean="0">
@@ -9170,25 +9081,7 @@
                         </a:solidFill>
                         <a:latin typeface="Cambria Math" panose="02040503050406030204" pitchFamily="18" charset="0"/>
                       </a:rPr>
-                      <m:t>𝑝𝑡</m:t>
-                    </m:r>
-                    <m:r>
-                      <a:rPr lang="en-US" sz="2000" b="0" i="1" smtClean="0">
-                        <a:solidFill>
-                          <a:schemeClr val="tx1"/>
-                        </a:solidFill>
-                        <a:latin typeface="Cambria Math" panose="02040503050406030204" pitchFamily="18" charset="0"/>
-                      </a:rPr>
-                      <m:t>h</m:t>
-                    </m:r>
-                    <m:r>
-                      <a:rPr lang="en-US" sz="2000" b="0" i="1" smtClean="0">
-                        <a:solidFill>
-                          <a:schemeClr val="tx1"/>
-                        </a:solidFill>
-                        <a:latin typeface="Cambria Math" panose="02040503050406030204" pitchFamily="18" charset="0"/>
-                      </a:rPr>
-                      <m:t>𝑟𝑒𝑎𝑑</m:t>
+                      <m:t>𝑝𝑡h𝑟𝑒𝑎𝑑</m:t>
                     </m:r>
                     <m:r>
                       <a:rPr lang="en-US" sz="2000" b="0" i="1" smtClean="0">
@@ -9391,7 +9284,7 @@
             </p:txBody>
           </p:sp>
         </mc:Choice>
-        <mc:Fallback>
+        <mc:Fallback xmlns="">
           <p:sp>
             <p:nvSpPr>
               <p:cNvPr id="3" name="Content Placeholder 2">
@@ -9498,8 +9391,8 @@
           </a:p>
         </p:txBody>
       </p:sp>
-      <mc:AlternateContent xmlns:mc="http://schemas.openxmlformats.org/markup-compatibility/2006">
-        <mc:Choice xmlns:a14="http://schemas.microsoft.com/office/drawing/2010/main" Requires="a14">
+      <mc:AlternateContent xmlns:mc="http://schemas.openxmlformats.org/markup-compatibility/2006" xmlns:a14="http://schemas.microsoft.com/office/drawing/2010/main">
+        <mc:Choice Requires="a14">
           <p:sp>
             <p:nvSpPr>
               <p:cNvPr id="3" name="Content Placeholder 2">
@@ -9645,7 +9538,7 @@
             </p:txBody>
           </p:sp>
         </mc:Choice>
-        <mc:Fallback>
+        <mc:Fallback xmlns="">
           <p:sp>
             <p:nvSpPr>
               <p:cNvPr id="3" name="Content Placeholder 2">
@@ -9906,8 +9799,8 @@
           </a:p>
         </p:txBody>
       </p:sp>
-      <mc:AlternateContent xmlns:mc="http://schemas.openxmlformats.org/markup-compatibility/2006">
-        <mc:Choice xmlns:a14="http://schemas.microsoft.com/office/drawing/2010/main" Requires="a14">
+      <mc:AlternateContent xmlns:mc="http://schemas.openxmlformats.org/markup-compatibility/2006" xmlns:a14="http://schemas.microsoft.com/office/drawing/2010/main">
+        <mc:Choice Requires="a14">
           <p:sp>
             <p:nvSpPr>
               <p:cNvPr id="3" name="Content Placeholder 2">
@@ -10344,7 +10237,7 @@
             </p:txBody>
           </p:sp>
         </mc:Choice>
-        <mc:Fallback>
+        <mc:Fallback xmlns="">
           <p:sp>
             <p:nvSpPr>
               <p:cNvPr id="3" name="Content Placeholder 2">
@@ -10538,8 +10431,8 @@
           </a:p>
         </p:txBody>
       </p:sp>
-      <mc:AlternateContent xmlns:mc="http://schemas.openxmlformats.org/markup-compatibility/2006">
-        <mc:Choice xmlns:a14="http://schemas.microsoft.com/office/drawing/2010/main" Requires="a14">
+      <mc:AlternateContent xmlns:mc="http://schemas.openxmlformats.org/markup-compatibility/2006" xmlns:a14="http://schemas.microsoft.com/office/drawing/2010/main">
+        <mc:Choice Requires="a14">
           <p:sp>
             <p:nvSpPr>
               <p:cNvPr id="3" name="Content Placeholder 2">
@@ -10624,25 +10517,7 @@
                         </a:solidFill>
                         <a:latin typeface="Cambria Math" panose="02040503050406030204" pitchFamily="18" charset="0"/>
                       </a:rPr>
-                      <m:t>𝑝𝑡</m:t>
-                    </m:r>
-                    <m:r>
-                      <a:rPr lang="en-US" sz="2000" b="0" i="1" smtClean="0">
-                        <a:solidFill>
-                          <a:schemeClr val="tx1"/>
-                        </a:solidFill>
-                        <a:latin typeface="Cambria Math" panose="02040503050406030204" pitchFamily="18" charset="0"/>
-                      </a:rPr>
-                      <m:t>h</m:t>
-                    </m:r>
-                    <m:r>
-                      <a:rPr lang="en-US" sz="2000" b="0" i="1" smtClean="0">
-                        <a:solidFill>
-                          <a:schemeClr val="tx1"/>
-                        </a:solidFill>
-                        <a:latin typeface="Cambria Math" panose="02040503050406030204" pitchFamily="18" charset="0"/>
-                      </a:rPr>
-                      <m:t>𝑟𝑒𝑎𝑑</m:t>
+                      <m:t>𝑝𝑡h𝑟𝑒𝑎𝑑</m:t>
                     </m:r>
                     <m:r>
                       <a:rPr lang="en-US" sz="2000" b="0" i="1" smtClean="0">
@@ -10705,19 +10580,7 @@
                       <a:rPr lang="en-US" sz="2000" i="1">
                         <a:latin typeface="Cambria Math" panose="02040503050406030204" pitchFamily="18" charset="0"/>
                       </a:rPr>
-                      <m:t>𝑝𝑡</m:t>
-                    </m:r>
-                    <m:r>
-                      <a:rPr lang="en-US" sz="2000" i="1">
-                        <a:latin typeface="Cambria Math" panose="02040503050406030204" pitchFamily="18" charset="0"/>
-                      </a:rPr>
-                      <m:t>h</m:t>
-                    </m:r>
-                    <m:r>
-                      <a:rPr lang="en-US" sz="2000" i="1">
-                        <a:latin typeface="Cambria Math" panose="02040503050406030204" pitchFamily="18" charset="0"/>
-                      </a:rPr>
-                      <m:t>𝑟𝑒𝑎𝑑</m:t>
+                      <m:t>𝑝𝑡h𝑟𝑒𝑎𝑑</m:t>
                     </m:r>
                     <m:r>
                       <a:rPr lang="en-US" sz="2000" i="1">
@@ -10837,7 +10700,7 @@
             </p:txBody>
           </p:sp>
         </mc:Choice>
-        <mc:Fallback>
+        <mc:Fallback xmlns="">
           <p:sp>
             <p:nvSpPr>
               <p:cNvPr id="3" name="Content Placeholder 2">
@@ -10970,8 +10833,8 @@
           </a:p>
         </p:txBody>
       </p:sp>
-      <mc:AlternateContent xmlns:mc="http://schemas.openxmlformats.org/markup-compatibility/2006">
-        <mc:Choice xmlns:a14="http://schemas.microsoft.com/office/drawing/2010/main" Requires="a14">
+      <mc:AlternateContent xmlns:mc="http://schemas.openxmlformats.org/markup-compatibility/2006" xmlns:a14="http://schemas.microsoft.com/office/drawing/2010/main">
+        <mc:Choice Requires="a14">
           <p:sp>
             <p:nvSpPr>
               <p:cNvPr id="3" name="Content Placeholder 2">
@@ -11456,7 +11319,7 @@
             </p:txBody>
           </p:sp>
         </mc:Choice>
-        <mc:Fallback>
+        <mc:Fallback xmlns="">
           <p:sp>
             <p:nvSpPr>
               <p:cNvPr id="3" name="Content Placeholder 2">
@@ -11558,8 +11421,8 @@
           </a:p>
         </p:txBody>
       </p:sp>
-      <mc:AlternateContent xmlns:mc="http://schemas.openxmlformats.org/markup-compatibility/2006">
-        <mc:Choice xmlns:a14="http://schemas.microsoft.com/office/drawing/2010/main" Requires="a14">
+      <mc:AlternateContent xmlns:mc="http://schemas.openxmlformats.org/markup-compatibility/2006" xmlns:a14="http://schemas.microsoft.com/office/drawing/2010/main">
+        <mc:Choice Requires="a14">
           <p:sp>
             <p:nvSpPr>
               <p:cNvPr id="3" name="Content Placeholder 2">
@@ -11704,25 +11567,7 @@
                         </a:solidFill>
                         <a:latin typeface="Cambria Math" panose="02040503050406030204" pitchFamily="18" charset="0"/>
                       </a:rPr>
-                      <m:t>𝑝𝑡</m:t>
-                    </m:r>
-                    <m:r>
-                      <a:rPr lang="en-US" sz="2000" b="0" i="1" smtClean="0">
-                        <a:solidFill>
-                          <a:schemeClr val="tx1"/>
-                        </a:solidFill>
-                        <a:latin typeface="Cambria Math" panose="02040503050406030204" pitchFamily="18" charset="0"/>
-                      </a:rPr>
-                      <m:t>h</m:t>
-                    </m:r>
-                    <m:r>
-                      <a:rPr lang="en-US" sz="2000" b="0" i="1" smtClean="0">
-                        <a:solidFill>
-                          <a:schemeClr val="tx1"/>
-                        </a:solidFill>
-                        <a:latin typeface="Cambria Math" panose="02040503050406030204" pitchFamily="18" charset="0"/>
-                      </a:rPr>
-                      <m:t>𝑟𝑒𝑎𝑑</m:t>
+                      <m:t>𝑝𝑡h𝑟𝑒𝑎𝑑</m:t>
                     </m:r>
                     <m:r>
                       <a:rPr lang="en-US" sz="2000" b="0" i="1" smtClean="0">
@@ -11786,7 +11631,7 @@
             </p:txBody>
           </p:sp>
         </mc:Choice>
-        <mc:Fallback>
+        <mc:Fallback xmlns="">
           <p:sp>
             <p:nvSpPr>
               <p:cNvPr id="3" name="Content Placeholder 2">
@@ -11919,8 +11764,8 @@
           </a:p>
         </p:txBody>
       </p:sp>
-      <mc:AlternateContent xmlns:mc="http://schemas.openxmlformats.org/markup-compatibility/2006">
-        <mc:Choice xmlns:a14="http://schemas.microsoft.com/office/drawing/2010/main" Requires="a14">
+      <mc:AlternateContent xmlns:mc="http://schemas.openxmlformats.org/markup-compatibility/2006" xmlns:a14="http://schemas.microsoft.com/office/drawing/2010/main">
+        <mc:Choice Requires="a14">
           <p:sp>
             <p:nvSpPr>
               <p:cNvPr id="3" name="Content Placeholder 2">
@@ -12215,7 +12060,7 @@
             </p:txBody>
           </p:sp>
         </mc:Choice>
-        <mc:Fallback>
+        <mc:Fallback xmlns="">
           <p:sp>
             <p:nvSpPr>
               <p:cNvPr id="3" name="Content Placeholder 2">
@@ -12318,8 +12163,8 @@
           </a:p>
         </p:txBody>
       </p:sp>
-      <mc:AlternateContent xmlns:mc="http://schemas.openxmlformats.org/markup-compatibility/2006">
-        <mc:Choice xmlns:a14="http://schemas.microsoft.com/office/drawing/2010/main" Requires="a14">
+      <mc:AlternateContent xmlns:mc="http://schemas.openxmlformats.org/markup-compatibility/2006" xmlns:a14="http://schemas.microsoft.com/office/drawing/2010/main">
+        <mc:Choice Requires="a14">
           <p:sp>
             <p:nvSpPr>
               <p:cNvPr id="3" name="Content Placeholder 2">
@@ -12732,7 +12577,7 @@
             </p:txBody>
           </p:sp>
         </mc:Choice>
-        <mc:Fallback>
+        <mc:Fallback xmlns="">
           <p:sp>
             <p:nvSpPr>
               <p:cNvPr id="3" name="Content Placeholder 2">
@@ -12865,8 +12710,8 @@
           </a:p>
         </p:txBody>
       </p:sp>
-      <mc:AlternateContent xmlns:mc="http://schemas.openxmlformats.org/markup-compatibility/2006">
-        <mc:Choice xmlns:a14="http://schemas.microsoft.com/office/drawing/2010/main" Requires="a14">
+      <mc:AlternateContent xmlns:mc="http://schemas.openxmlformats.org/markup-compatibility/2006" xmlns:a14="http://schemas.microsoft.com/office/drawing/2010/main">
+        <mc:Choice Requires="a14">
           <p:sp>
             <p:nvSpPr>
               <p:cNvPr id="3" name="Content Placeholder 2">
@@ -13169,7 +13014,7 @@
             </p:txBody>
           </p:sp>
         </mc:Choice>
-        <mc:Fallback>
+        <mc:Fallback xmlns="">
           <p:sp>
             <p:nvSpPr>
               <p:cNvPr id="3" name="Content Placeholder 2">
@@ -13301,8 +13146,8 @@
           </a:p>
         </p:txBody>
       </p:sp>
-      <mc:AlternateContent xmlns:mc="http://schemas.openxmlformats.org/markup-compatibility/2006">
-        <mc:Choice xmlns:a14="http://schemas.microsoft.com/office/drawing/2010/main" Requires="a14">
+      <mc:AlternateContent xmlns:mc="http://schemas.openxmlformats.org/markup-compatibility/2006" xmlns:a14="http://schemas.microsoft.com/office/drawing/2010/main">
+        <mc:Choice Requires="a14">
           <p:sp>
             <p:nvSpPr>
               <p:cNvPr id="7" name="Content Placeholder 6">
@@ -13354,25 +13199,7 @@
                         </a:solidFill>
                         <a:latin typeface="Cambria Math" panose="02040503050406030204" pitchFamily="18" charset="0"/>
                       </a:rPr>
-                      <m:t>𝑝𝑡</m:t>
-                    </m:r>
-                    <m:r>
-                      <a:rPr lang="en-US" sz="2000" b="0" i="1" smtClean="0">
-                        <a:solidFill>
-                          <a:schemeClr val="tx1"/>
-                        </a:solidFill>
-                        <a:latin typeface="Cambria Math" panose="02040503050406030204" pitchFamily="18" charset="0"/>
-                      </a:rPr>
-                      <m:t>h</m:t>
-                    </m:r>
-                    <m:r>
-                      <a:rPr lang="en-US" sz="2000" b="0" i="1" smtClean="0">
-                        <a:solidFill>
-                          <a:schemeClr val="tx1"/>
-                        </a:solidFill>
-                        <a:latin typeface="Cambria Math" panose="02040503050406030204" pitchFamily="18" charset="0"/>
-                      </a:rPr>
-                      <m:t>𝑟𝑒𝑎𝑑</m:t>
+                      <m:t>𝑝𝑡h𝑟𝑒𝑎𝑑</m:t>
                     </m:r>
                     <m:r>
                       <a:rPr lang="en-US" sz="2000" b="0" i="1" smtClean="0">
@@ -13523,7 +13350,7 @@
             </p:txBody>
           </p:sp>
         </mc:Choice>
-        <mc:Fallback>
+        <mc:Fallback xmlns="">
           <p:sp>
             <p:nvSpPr>
               <p:cNvPr id="7" name="Content Placeholder 6">
@@ -13626,8 +13453,8 @@
           </a:p>
         </p:txBody>
       </p:sp>
-      <mc:AlternateContent xmlns:mc="http://schemas.openxmlformats.org/markup-compatibility/2006">
-        <mc:Choice xmlns:a14="http://schemas.microsoft.com/office/drawing/2010/main" Requires="a14">
+      <mc:AlternateContent xmlns:mc="http://schemas.openxmlformats.org/markup-compatibility/2006" xmlns:a14="http://schemas.microsoft.com/office/drawing/2010/main">
+        <mc:Choice Requires="a14">
           <p:sp>
             <p:nvSpPr>
               <p:cNvPr id="3" name="Content Placeholder 2">
@@ -13888,7 +13715,7 @@
             </p:txBody>
           </p:sp>
         </mc:Choice>
-        <mc:Fallback>
+        <mc:Fallback xmlns="">
           <p:sp>
             <p:nvSpPr>
               <p:cNvPr id="3" name="Content Placeholder 2">
@@ -14051,8 +13878,8 @@
           </a:p>
         </p:txBody>
       </p:sp>
-      <mc:AlternateContent xmlns:mc="http://schemas.openxmlformats.org/markup-compatibility/2006">
-        <mc:Choice xmlns:a14="http://schemas.microsoft.com/office/drawing/2010/main" Requires="a14">
+      <mc:AlternateContent xmlns:mc="http://schemas.openxmlformats.org/markup-compatibility/2006" xmlns:a14="http://schemas.microsoft.com/office/drawing/2010/main">
+        <mc:Choice Requires="a14">
           <p:sp>
             <p:nvSpPr>
               <p:cNvPr id="3" name="Content Placeholder 2">
@@ -14158,16 +13985,7 @@
                         </a:solidFill>
                         <a:latin typeface="Cambria Math" panose="02040503050406030204" pitchFamily="18" charset="0"/>
                       </a:rPr>
-                      <m:t>𝑐𝑜𝑛𝑑</m:t>
-                    </m:r>
-                    <m:r>
-                      <a:rPr lang="en-US" sz="2400" b="0" i="1" smtClean="0">
-                        <a:solidFill>
-                          <a:schemeClr val="tx1"/>
-                        </a:solidFill>
-                        <a:latin typeface="Cambria Math" panose="02040503050406030204" pitchFamily="18" charset="0"/>
-                      </a:rPr>
-                      <m:t>𝑎𝑡𝑡𝑟</m:t>
+                      <m:t>𝑐𝑜𝑛𝑑𝑎𝑡𝑡𝑟</m:t>
                     </m:r>
                     <m:r>
                       <a:rPr lang="en-US" sz="2400" b="0" i="1" smtClean="0">
@@ -14745,7 +14563,7 @@
             </p:txBody>
           </p:sp>
         </mc:Choice>
-        <mc:Fallback>
+        <mc:Fallback xmlns="">
           <p:sp>
             <p:nvSpPr>
               <p:cNvPr id="3" name="Content Placeholder 2">
@@ -14848,8 +14666,8 @@
           </a:p>
         </p:txBody>
       </p:sp>
-      <mc:AlternateContent xmlns:mc="http://schemas.openxmlformats.org/markup-compatibility/2006">
-        <mc:Choice xmlns:a14="http://schemas.microsoft.com/office/drawing/2010/main" Requires="a14">
+      <mc:AlternateContent xmlns:mc="http://schemas.openxmlformats.org/markup-compatibility/2006" xmlns:a14="http://schemas.microsoft.com/office/drawing/2010/main">
+        <mc:Choice Requires="a14">
           <p:sp>
             <p:nvSpPr>
               <p:cNvPr id="3" name="Content Placeholder 2">
@@ -14893,25 +14711,7 @@
                         </a:solidFill>
                         <a:latin typeface="Cambria Math" panose="02040503050406030204" pitchFamily="18" charset="0"/>
                       </a:rPr>
-                      <m:t>𝑝𝑡</m:t>
-                    </m:r>
-                    <m:r>
-                      <a:rPr lang="en-US" sz="2000" b="0" i="1" smtClean="0">
-                        <a:solidFill>
-                          <a:schemeClr val="tx1"/>
-                        </a:solidFill>
-                        <a:latin typeface="Cambria Math" panose="02040503050406030204" pitchFamily="18" charset="0"/>
-                      </a:rPr>
-                      <m:t>h</m:t>
-                    </m:r>
-                    <m:r>
-                      <a:rPr lang="en-US" sz="2000" b="0" i="1" smtClean="0">
-                        <a:solidFill>
-                          <a:schemeClr val="tx1"/>
-                        </a:solidFill>
-                        <a:latin typeface="Cambria Math" panose="02040503050406030204" pitchFamily="18" charset="0"/>
-                      </a:rPr>
-                      <m:t>𝑟𝑒𝑎𝑑</m:t>
+                      <m:t>𝑝𝑡h𝑟𝑒𝑎𝑑</m:t>
                     </m:r>
                     <m:r>
                       <a:rPr lang="en-US" sz="2000" b="0" i="1" smtClean="0">
@@ -15004,25 +14804,7 @@
                         </a:solidFill>
                         <a:latin typeface="Cambria Math" panose="02040503050406030204" pitchFamily="18" charset="0"/>
                       </a:rPr>
-                      <m:t>𝑝𝑡</m:t>
-                    </m:r>
-                    <m:r>
-                      <a:rPr lang="en-US" sz="2000" b="0" i="1" smtClean="0">
-                        <a:solidFill>
-                          <a:schemeClr val="tx1"/>
-                        </a:solidFill>
-                        <a:latin typeface="Cambria Math" panose="02040503050406030204" pitchFamily="18" charset="0"/>
-                      </a:rPr>
-                      <m:t>h</m:t>
-                    </m:r>
-                    <m:r>
-                      <a:rPr lang="en-US" sz="2000" b="0" i="1" smtClean="0">
-                        <a:solidFill>
-                          <a:schemeClr val="tx1"/>
-                        </a:solidFill>
-                        <a:latin typeface="Cambria Math" panose="02040503050406030204" pitchFamily="18" charset="0"/>
-                      </a:rPr>
-                      <m:t>𝑟𝑒𝑎𝑑</m:t>
+                      <m:t>𝑝𝑡h𝑟𝑒𝑎𝑑</m:t>
                     </m:r>
                     <m:r>
                       <a:rPr lang="en-US" sz="2000" b="0" i="1" smtClean="0">
@@ -15299,7 +15081,7 @@
             </p:txBody>
           </p:sp>
         </mc:Choice>
-        <mc:Fallback>
+        <mc:Fallback xmlns="">
           <p:sp>
             <p:nvSpPr>
               <p:cNvPr id="3" name="Content Placeholder 2">
@@ -15402,8 +15184,8 @@
           </a:p>
         </p:txBody>
       </p:sp>
-      <mc:AlternateContent xmlns:mc="http://schemas.openxmlformats.org/markup-compatibility/2006">
-        <mc:Choice xmlns:a14="http://schemas.microsoft.com/office/drawing/2010/main" Requires="a14">
+      <mc:AlternateContent xmlns:mc="http://schemas.openxmlformats.org/markup-compatibility/2006" xmlns:a14="http://schemas.microsoft.com/office/drawing/2010/main">
+        <mc:Choice Requires="a14">
           <p:sp>
             <p:nvSpPr>
               <p:cNvPr id="3" name="Content Placeholder 2">
@@ -15549,7 +15331,7 @@
             </p:txBody>
           </p:sp>
         </mc:Choice>
-        <mc:Fallback>
+        <mc:Fallback xmlns="">
           <p:sp>
             <p:nvSpPr>
               <p:cNvPr id="3" name="Content Placeholder 2">
@@ -15682,8 +15464,8 @@
           </a:p>
         </p:txBody>
       </p:sp>
-      <mc:AlternateContent xmlns:mc="http://schemas.openxmlformats.org/markup-compatibility/2006">
-        <mc:Choice xmlns:a14="http://schemas.microsoft.com/office/drawing/2010/main" Requires="a14">
+      <mc:AlternateContent xmlns:mc="http://schemas.openxmlformats.org/markup-compatibility/2006" xmlns:a14="http://schemas.microsoft.com/office/drawing/2010/main">
+        <mc:Choice Requires="a14">
           <p:sp>
             <p:nvSpPr>
               <p:cNvPr id="3" name="Content Placeholder 2">
@@ -16067,7 +15849,7 @@
             </p:txBody>
           </p:sp>
         </mc:Choice>
-        <mc:Fallback>
+        <mc:Fallback xmlns="">
           <p:sp>
             <p:nvSpPr>
               <p:cNvPr id="3" name="Content Placeholder 2">
@@ -16200,8 +15982,8 @@
           </a:p>
         </p:txBody>
       </p:sp>
-      <mc:AlternateContent xmlns:mc="http://schemas.openxmlformats.org/markup-compatibility/2006">
-        <mc:Choice xmlns:a14="http://schemas.microsoft.com/office/drawing/2010/main" Requires="a14">
+      <mc:AlternateContent xmlns:mc="http://schemas.openxmlformats.org/markup-compatibility/2006" xmlns:a14="http://schemas.microsoft.com/office/drawing/2010/main">
+        <mc:Choice Requires="a14">
           <p:sp>
             <p:nvSpPr>
               <p:cNvPr id="3" name="Content Placeholder 2">
@@ -16244,7 +16026,6 @@
                 </a:r>
               </a:p>
               <a:p>
-                <a:pPr/>
                 <a14:m>
                   <m:oMath xmlns:m="http://schemas.openxmlformats.org/officeDocument/2006/math">
                     <m:r>
@@ -16565,7 +16346,6 @@
                 </a:r>
               </a:p>
               <a:p>
-                <a:pPr/>
                 <a14:m>
                   <m:oMath xmlns:m="http://schemas.openxmlformats.org/officeDocument/2006/math">
                     <m:r>
@@ -16742,7 +16522,7 @@
             </p:txBody>
           </p:sp>
         </mc:Choice>
-        <mc:Fallback>
+        <mc:Fallback xmlns="">
           <p:sp>
             <p:nvSpPr>
               <p:cNvPr id="3" name="Content Placeholder 2">
@@ -16845,8 +16625,8 @@
           </a:p>
         </p:txBody>
       </p:sp>
-      <mc:AlternateContent xmlns:mc="http://schemas.openxmlformats.org/markup-compatibility/2006">
-        <mc:Choice xmlns:a14="http://schemas.microsoft.com/office/drawing/2010/main" Requires="a14">
+      <mc:AlternateContent xmlns:mc="http://schemas.openxmlformats.org/markup-compatibility/2006" xmlns:a14="http://schemas.microsoft.com/office/drawing/2010/main">
+        <mc:Choice Requires="a14">
           <p:sp>
             <p:nvSpPr>
               <p:cNvPr id="3" name="Content Placeholder 2">
@@ -17421,7 +17201,7 @@
             </p:txBody>
           </p:sp>
         </mc:Choice>
-        <mc:Fallback>
+        <mc:Fallback xmlns="">
           <p:sp>
             <p:nvSpPr>
               <p:cNvPr id="3" name="Content Placeholder 2">
@@ -17906,8 +17686,8 @@
           </a:p>
         </p:txBody>
       </p:sp>
-      <mc:AlternateContent xmlns:mc="http://schemas.openxmlformats.org/markup-compatibility/2006">
-        <mc:Choice xmlns:a14="http://schemas.microsoft.com/office/drawing/2010/main" Requires="a14">
+      <mc:AlternateContent xmlns:mc="http://schemas.openxmlformats.org/markup-compatibility/2006" xmlns:a14="http://schemas.microsoft.com/office/drawing/2010/main">
+        <mc:Choice Requires="a14">
           <p:sp>
             <p:nvSpPr>
               <p:cNvPr id="3" name="Content Placeholder 2">
@@ -18231,7 +18011,7 @@
             </p:txBody>
           </p:sp>
         </mc:Choice>
-        <mc:Fallback>
+        <mc:Fallback xmlns="">
           <p:sp>
             <p:nvSpPr>
               <p:cNvPr id="3" name="Content Placeholder 2">
@@ -18334,8 +18114,8 @@
           </a:p>
         </p:txBody>
       </p:sp>
-      <mc:AlternateContent xmlns:mc="http://schemas.openxmlformats.org/markup-compatibility/2006">
-        <mc:Choice xmlns:a14="http://schemas.microsoft.com/office/drawing/2010/main" Requires="a14">
+      <mc:AlternateContent xmlns:mc="http://schemas.openxmlformats.org/markup-compatibility/2006" xmlns:a14="http://schemas.microsoft.com/office/drawing/2010/main">
+        <mc:Choice Requires="a14">
           <p:sp>
             <p:nvSpPr>
               <p:cNvPr id="3" name="Content Placeholder 2">
@@ -18379,25 +18159,7 @@
                         </a:solidFill>
                         <a:latin typeface="Cambria Math" panose="02040503050406030204" pitchFamily="18" charset="0"/>
                       </a:rPr>
-                      <m:t>𝑝𝑡</m:t>
-                    </m:r>
-                    <m:r>
-                      <a:rPr lang="en-US" sz="2200" b="0" i="1" smtClean="0">
-                        <a:solidFill>
-                          <a:schemeClr val="tx1"/>
-                        </a:solidFill>
-                        <a:latin typeface="Cambria Math" panose="02040503050406030204" pitchFamily="18" charset="0"/>
-                      </a:rPr>
-                      <m:t>h</m:t>
-                    </m:r>
-                    <m:r>
-                      <a:rPr lang="en-US" sz="2200" b="0" i="1" smtClean="0">
-                        <a:solidFill>
-                          <a:schemeClr val="tx1"/>
-                        </a:solidFill>
-                        <a:latin typeface="Cambria Math" panose="02040503050406030204" pitchFamily="18" charset="0"/>
-                      </a:rPr>
-                      <m:t>𝑟𝑒𝑎𝑑</m:t>
+                      <m:t>𝑝𝑡h𝑟𝑒𝑎𝑑</m:t>
                     </m:r>
                     <m:r>
                       <a:rPr lang="en-US" sz="2200" b="0" i="1" smtClean="0">
@@ -18628,7 +18390,7 @@
             </p:txBody>
           </p:sp>
         </mc:Choice>
-        <mc:Fallback>
+        <mc:Fallback xmlns="">
           <p:sp>
             <p:nvSpPr>
               <p:cNvPr id="3" name="Content Placeholder 2">
@@ -18672,6 +18434,230 @@
     <p:extLst>
       <p:ext uri="{BB962C8B-B14F-4D97-AF65-F5344CB8AC3E}">
         <p14:creationId xmlns:p14="http://schemas.microsoft.com/office/powerpoint/2010/main" val="521133262"/>
+      </p:ext>
+    </p:extLst>
+  </p:cSld>
+  <p:clrMapOvr>
+    <a:masterClrMapping/>
+  </p:clrMapOvr>
+</p:sld>
+</file>
+
+<file path=ppt/slides/slide44.xml><?xml version="1.0" encoding="utf-8"?>
+<p:sld xmlns:a="http://schemas.openxmlformats.org/drawingml/2006/main" xmlns:r="http://schemas.openxmlformats.org/officeDocument/2006/relationships" xmlns:p="http://schemas.openxmlformats.org/presentationml/2006/main">
+  <p:cSld>
+    <p:spTree>
+      <p:nvGrpSpPr>
+        <p:cNvPr id="1" name=""/>
+        <p:cNvGrpSpPr/>
+        <p:nvPr/>
+      </p:nvGrpSpPr>
+      <p:grpSpPr>
+        <a:xfrm>
+          <a:off x="0" y="0"/>
+          <a:ext cx="0" cy="0"/>
+          <a:chOff x="0" y="0"/>
+          <a:chExt cx="0" cy="0"/>
+        </a:xfrm>
+      </p:grpSpPr>
+      <p:sp>
+        <p:nvSpPr>
+          <p:cNvPr id="2" name="Title 1">
+            <a:extLst>
+              <a:ext uri="{FF2B5EF4-FFF2-40B4-BE49-F238E27FC236}">
+                <a16:creationId xmlns:a16="http://schemas.microsoft.com/office/drawing/2014/main" id="{3DC09EEB-E187-4931-88B0-27D719505D05}"/>
+              </a:ext>
+            </a:extLst>
+          </p:cNvPr>
+          <p:cNvSpPr>
+            <a:spLocks noGrp="1"/>
+          </p:cNvSpPr>
+          <p:nvPr>
+            <p:ph type="title"/>
+          </p:nvPr>
+        </p:nvSpPr>
+        <p:spPr/>
+        <p:txBody>
+          <a:bodyPr/>
+          <a:lstStyle/>
+          <a:p>
+            <a:r>
+              <a:rPr lang="en-US" dirty="0">
+                <a:solidFill>
+                  <a:schemeClr val="accent1"/>
+                </a:solidFill>
+              </a:rPr>
+              <a:t>References</a:t>
+            </a:r>
+          </a:p>
+        </p:txBody>
+      </p:sp>
+      <p:sp>
+        <p:nvSpPr>
+          <p:cNvPr id="3" name="Content Placeholder 2">
+            <a:extLst>
+              <a:ext uri="{FF2B5EF4-FFF2-40B4-BE49-F238E27FC236}">
+                <a16:creationId xmlns:a16="http://schemas.microsoft.com/office/drawing/2014/main" id="{C557F1C5-6E25-4763-875C-0E300E24DAE8}"/>
+              </a:ext>
+            </a:extLst>
+          </p:cNvPr>
+          <p:cNvSpPr>
+            <a:spLocks noGrp="1"/>
+          </p:cNvSpPr>
+          <p:nvPr>
+            <p:ph idx="1"/>
+          </p:nvPr>
+        </p:nvSpPr>
+        <p:spPr/>
+        <p:txBody>
+          <a:bodyPr>
+            <a:normAutofit/>
+          </a:bodyPr>
+          <a:lstStyle/>
+          <a:p>
+            <a:pPr marL="0" indent="0">
+              <a:buNone/>
+            </a:pPr>
+            <a:r>
+              <a:rPr lang="en-US" b="1" dirty="0">
+                <a:solidFill>
+                  <a:srgbClr val="FF0000"/>
+                </a:solidFill>
+                <a:effectLst/>
+              </a:rPr>
+              <a:t>[1] </a:t>
+            </a:r>
+            <a:r>
+              <a:rPr lang="en-US" b="0" dirty="0">
+                <a:solidFill>
+                  <a:schemeClr val="accent1"/>
+                </a:solidFill>
+                <a:effectLst/>
+              </a:rPr>
+              <a:t>Bradford Nichols, Dick </a:t>
+            </a:r>
+            <a:r>
+              <a:rPr lang="en-US" b="0" dirty="0" err="1">
+                <a:solidFill>
+                  <a:schemeClr val="accent1"/>
+                </a:solidFill>
+                <a:effectLst/>
+              </a:rPr>
+              <a:t>Buttlar</a:t>
+            </a:r>
+            <a:r>
+              <a:rPr lang="en-US" b="0" dirty="0">
+                <a:solidFill>
+                  <a:schemeClr val="accent1"/>
+                </a:solidFill>
+                <a:effectLst/>
+              </a:rPr>
+              <a:t>, and Jacqueline Proulx Farrell. 1996. Pthreads programming. O'Reilly &amp; Associates, Inc., USA.</a:t>
+            </a:r>
+            <a:endParaRPr lang="en-US" dirty="0">
+              <a:solidFill>
+                <a:schemeClr val="accent1"/>
+              </a:solidFill>
+            </a:endParaRPr>
+          </a:p>
+          <a:p>
+            <a:pPr marL="0" indent="0">
+              <a:buNone/>
+            </a:pPr>
+            <a:r>
+              <a:rPr lang="en-US" b="1" dirty="0">
+                <a:solidFill>
+                  <a:srgbClr val="FF0000"/>
+                </a:solidFill>
+              </a:rPr>
+              <a:t>[2] </a:t>
+            </a:r>
+            <a:r>
+              <a:rPr lang="en-US" b="0" dirty="0">
+                <a:solidFill>
+                  <a:schemeClr val="accent1"/>
+                </a:solidFill>
+                <a:effectLst/>
+              </a:rPr>
+              <a:t>Michael </a:t>
+            </a:r>
+            <a:r>
+              <a:rPr lang="en-US" b="0" dirty="0" err="1">
+                <a:solidFill>
+                  <a:schemeClr val="accent1"/>
+                </a:solidFill>
+                <a:effectLst/>
+              </a:rPr>
+              <a:t>Kerrisk</a:t>
+            </a:r>
+            <a:r>
+              <a:rPr lang="en-US" b="0" dirty="0">
+                <a:solidFill>
+                  <a:schemeClr val="accent1"/>
+                </a:solidFill>
+                <a:effectLst/>
+              </a:rPr>
+              <a:t>. 2010. The Linux Programming Interface: A Linux and UNIX System Programming Handbook (1st. ed.). No Starch Press, USA.</a:t>
+            </a:r>
+          </a:p>
+          <a:p>
+            <a:pPr marL="0" indent="0">
+              <a:buNone/>
+            </a:pPr>
+            <a:r>
+              <a:rPr lang="en-US" b="1" dirty="0">
+                <a:solidFill>
+                  <a:srgbClr val="FF0000"/>
+                </a:solidFill>
+                <a:effectLst/>
+              </a:rPr>
+              <a:t>[3] </a:t>
+            </a:r>
+            <a:r>
+              <a:rPr lang="en-US" b="0" dirty="0">
+                <a:solidFill>
+                  <a:schemeClr val="accent1"/>
+                </a:solidFill>
+                <a:effectLst/>
+              </a:rPr>
+              <a:t>Vipin Kumar, Ananth Grama, Anshul Gupta, and George </a:t>
+            </a:r>
+            <a:r>
+              <a:rPr lang="en-US" b="0" dirty="0" err="1">
+                <a:solidFill>
+                  <a:schemeClr val="accent1"/>
+                </a:solidFill>
+                <a:effectLst/>
+              </a:rPr>
+              <a:t>Karypis</a:t>
+            </a:r>
+            <a:r>
+              <a:rPr lang="en-US" b="0" dirty="0">
+                <a:solidFill>
+                  <a:schemeClr val="accent1"/>
+                </a:solidFill>
+                <a:effectLst/>
+              </a:rPr>
+              <a:t>. 1994. Introduction to parallel computing: design and analysis of algorithms. Benjamin-Cummings Publishing Co., Inc., USA.</a:t>
+            </a:r>
+            <a:endParaRPr lang="en-US" dirty="0">
+              <a:solidFill>
+                <a:schemeClr val="accent1"/>
+              </a:solidFill>
+            </a:endParaRPr>
+          </a:p>
+          <a:p>
+            <a:pPr marL="0" indent="0">
+              <a:buNone/>
+            </a:pPr>
+            <a:endParaRPr lang="en-US" dirty="0"/>
+          </a:p>
+        </p:txBody>
+      </p:sp>
+    </p:spTree>
+    <p:extLst>
+      <p:ext uri="{BB962C8B-B14F-4D97-AF65-F5344CB8AC3E}">
+        <p14:creationId xmlns:p14="http://schemas.microsoft.com/office/powerpoint/2010/main" val="3063397495"/>
       </p:ext>
     </p:extLst>
   </p:cSld>
@@ -18731,8 +18717,8 @@
           </a:p>
         </p:txBody>
       </p:sp>
-      <mc:AlternateContent xmlns:mc="http://schemas.openxmlformats.org/markup-compatibility/2006">
-        <mc:Choice xmlns:a14="http://schemas.microsoft.com/office/drawing/2010/main" Requires="a14">
+      <mc:AlternateContent xmlns:mc="http://schemas.openxmlformats.org/markup-compatibility/2006" xmlns:a14="http://schemas.microsoft.com/office/drawing/2010/main">
+        <mc:Choice Requires="a14">
           <p:sp>
             <p:nvSpPr>
               <p:cNvPr id="3" name="Content Placeholder 2">
@@ -18844,7 +18830,7 @@
             </p:txBody>
           </p:sp>
         </mc:Choice>
-        <mc:Fallback>
+        <mc:Fallback xmlns="">
           <p:sp>
             <p:nvSpPr>
               <p:cNvPr id="3" name="Content Placeholder 2">
@@ -19451,8 +19437,8 @@
           </a:p>
         </p:txBody>
       </p:sp>
-      <mc:AlternateContent xmlns:mc="http://schemas.openxmlformats.org/markup-compatibility/2006">
-        <mc:Choice xmlns:a14="http://schemas.microsoft.com/office/drawing/2010/main" Requires="a14">
+      <mc:AlternateContent xmlns:mc="http://schemas.openxmlformats.org/markup-compatibility/2006" xmlns:a14="http://schemas.microsoft.com/office/drawing/2010/main">
+        <mc:Choice Requires="a14">
           <p:sp>
             <p:nvSpPr>
               <p:cNvPr id="3" name="Content Placeholder 2">
@@ -19831,7 +19817,7 @@
             </p:txBody>
           </p:sp>
         </mc:Choice>
-        <mc:Fallback>
+        <mc:Fallback xmlns="">
           <p:sp>
             <p:nvSpPr>
               <p:cNvPr id="3" name="Content Placeholder 2">

--- a/Slides/Lecture 4.pptx
+++ b/Slides/Lecture 4.pptx
@@ -252,7 +252,7 @@
           <a:p>
             <a:fld id="{1CB48AD5-CDAE-4B7B-B49D-6DB81FF5A179}" type="datetimeFigureOut">
               <a:rPr lang="en-US" smtClean="0"/>
-              <a:t>2/16/2021</a:t>
+              <a:t>3/1/2021</a:t>
             </a:fld>
             <a:endParaRPr lang="en-US"/>
           </a:p>
@@ -666,7 +666,7 @@
           <a:p>
             <a:fld id="{C4959B56-7D6D-462F-B061-93C9E323EE8A}" type="datetimeFigureOut">
               <a:rPr lang="en-US" smtClean="0"/>
-              <a:t>2/16/2021</a:t>
+              <a:t>3/1/2021</a:t>
             </a:fld>
             <a:endParaRPr lang="en-US"/>
           </a:p>
@@ -864,7 +864,7 @@
           <a:p>
             <a:fld id="{C4959B56-7D6D-462F-B061-93C9E323EE8A}" type="datetimeFigureOut">
               <a:rPr lang="en-US" smtClean="0"/>
-              <a:t>2/16/2021</a:t>
+              <a:t>3/1/2021</a:t>
             </a:fld>
             <a:endParaRPr lang="en-US"/>
           </a:p>
@@ -1072,7 +1072,7 @@
           <a:p>
             <a:fld id="{C4959B56-7D6D-462F-B061-93C9E323EE8A}" type="datetimeFigureOut">
               <a:rPr lang="en-US" smtClean="0"/>
-              <a:t>2/16/2021</a:t>
+              <a:t>3/1/2021</a:t>
             </a:fld>
             <a:endParaRPr lang="en-US"/>
           </a:p>
@@ -1270,7 +1270,7 @@
           <a:p>
             <a:fld id="{C4959B56-7D6D-462F-B061-93C9E323EE8A}" type="datetimeFigureOut">
               <a:rPr lang="en-US" smtClean="0"/>
-              <a:t>2/16/2021</a:t>
+              <a:t>3/1/2021</a:t>
             </a:fld>
             <a:endParaRPr lang="en-US"/>
           </a:p>
@@ -1545,7 +1545,7 @@
           <a:p>
             <a:fld id="{C4959B56-7D6D-462F-B061-93C9E323EE8A}" type="datetimeFigureOut">
               <a:rPr lang="en-US" smtClean="0"/>
-              <a:t>2/16/2021</a:t>
+              <a:t>3/1/2021</a:t>
             </a:fld>
             <a:endParaRPr lang="en-US"/>
           </a:p>
@@ -1810,7 +1810,7 @@
           <a:p>
             <a:fld id="{C4959B56-7D6D-462F-B061-93C9E323EE8A}" type="datetimeFigureOut">
               <a:rPr lang="en-US" smtClean="0"/>
-              <a:t>2/16/2021</a:t>
+              <a:t>3/1/2021</a:t>
             </a:fld>
             <a:endParaRPr lang="en-US"/>
           </a:p>
@@ -2222,7 +2222,7 @@
           <a:p>
             <a:fld id="{C4959B56-7D6D-462F-B061-93C9E323EE8A}" type="datetimeFigureOut">
               <a:rPr lang="en-US" smtClean="0"/>
-              <a:t>2/16/2021</a:t>
+              <a:t>3/1/2021</a:t>
             </a:fld>
             <a:endParaRPr lang="en-US"/>
           </a:p>
@@ -2363,7 +2363,7 @@
           <a:p>
             <a:fld id="{C4959B56-7D6D-462F-B061-93C9E323EE8A}" type="datetimeFigureOut">
               <a:rPr lang="en-US" smtClean="0"/>
-              <a:t>2/16/2021</a:t>
+              <a:t>3/1/2021</a:t>
             </a:fld>
             <a:endParaRPr lang="en-US"/>
           </a:p>
@@ -2476,7 +2476,7 @@
           <a:p>
             <a:fld id="{C4959B56-7D6D-462F-B061-93C9E323EE8A}" type="datetimeFigureOut">
               <a:rPr lang="en-US" smtClean="0"/>
-              <a:t>2/16/2021</a:t>
+              <a:t>3/1/2021</a:t>
             </a:fld>
             <a:endParaRPr lang="en-US"/>
           </a:p>
@@ -2787,7 +2787,7 @@
           <a:p>
             <a:fld id="{C4959B56-7D6D-462F-B061-93C9E323EE8A}" type="datetimeFigureOut">
               <a:rPr lang="en-US" smtClean="0"/>
-              <a:t>2/16/2021</a:t>
+              <a:t>3/1/2021</a:t>
             </a:fld>
             <a:endParaRPr lang="en-US"/>
           </a:p>
@@ -3075,7 +3075,7 @@
           <a:p>
             <a:fld id="{C4959B56-7D6D-462F-B061-93C9E323EE8A}" type="datetimeFigureOut">
               <a:rPr lang="en-US" smtClean="0"/>
-              <a:t>2/16/2021</a:t>
+              <a:t>3/1/2021</a:t>
             </a:fld>
             <a:endParaRPr lang="en-US"/>
           </a:p>
@@ -3316,7 +3316,7 @@
           <a:p>
             <a:fld id="{C4959B56-7D6D-462F-B061-93C9E323EE8A}" type="datetimeFigureOut">
               <a:rPr lang="en-US" smtClean="0"/>
-              <a:t>2/16/2021</a:t>
+              <a:t>3/1/2021</a:t>
             </a:fld>
             <a:endParaRPr lang="en-US"/>
           </a:p>
@@ -3915,8 +3915,8 @@
           </a:p>
         </p:txBody>
       </p:sp>
-      <mc:AlternateContent xmlns:mc="http://schemas.openxmlformats.org/markup-compatibility/2006" xmlns:a14="http://schemas.microsoft.com/office/drawing/2010/main">
-        <mc:Choice Requires="a14">
+      <mc:AlternateContent xmlns:mc="http://schemas.openxmlformats.org/markup-compatibility/2006">
+        <mc:Choice xmlns:a14="http://schemas.microsoft.com/office/drawing/2010/main" Requires="a14">
           <p:sp>
             <p:nvSpPr>
               <p:cNvPr id="3" name="Content Placeholder 2">
@@ -3952,12 +3952,20 @@
                   <a:t>The value pointed to by </a:t>
                 </a:r>
                 <a:r>
+                  <a:rPr lang="en-US" sz="2000" dirty="0">
+                    <a:solidFill>
+                      <a:schemeClr val="accent6"/>
+                    </a:solidFill>
+                  </a:rPr>
+                  <a:t>retval</a:t>
+                </a:r>
+                <a:r>
                   <a:rPr lang="en-US" sz="2000" b="1" i="1" dirty="0">
                     <a:solidFill>
                       <a:schemeClr val="accent6"/>
                     </a:solidFill>
                   </a:rPr>
-                  <a:t>retval </a:t>
+                  <a:t> </a:t>
                 </a:r>
                 <a:r>
                   <a:rPr lang="en-US" sz="2000" dirty="0">
@@ -3968,7 +3976,7 @@
                   <a:t>should not be located on the thread’s stack since the contents of the stack become </a:t>
                 </a:r>
                 <a:r>
-                  <a:rPr lang="en-US" sz="2000" b="1" i="1" dirty="0">
+                  <a:rPr lang="en-US" sz="2000" dirty="0">
                     <a:solidFill>
                       <a:srgbClr val="FF0000"/>
                     </a:solidFill>
@@ -4004,15 +4012,15 @@
                       <a:schemeClr val="accent1"/>
                     </a:solidFill>
                   </a:rPr>
-                  <a:t>If the </a:t>
-                </a:r>
-                <a:r>
-                  <a:rPr lang="en-US" sz="2000" b="1" i="1" dirty="0">
+                  <a:t>If </a:t>
+                </a:r>
+                <a:r>
+                  <a:rPr lang="en-US" sz="2000" dirty="0">
                     <a:solidFill>
                       <a:srgbClr val="FF0000"/>
                     </a:solidFill>
                   </a:rPr>
-                  <a:t>main thread </a:t>
+                  <a:t>the main thread </a:t>
                 </a:r>
                 <a:r>
                   <a:rPr lang="en-US" sz="2000" dirty="0">
@@ -4072,15 +4080,15 @@
                       <a:schemeClr val="accent1"/>
                     </a:solidFill>
                   </a:rPr>
-                  <a:t>, the </a:t>
-                </a:r>
-                <a:r>
-                  <a:rPr lang="en-US" sz="2000" b="1" i="1" dirty="0">
-                    <a:solidFill>
-                      <a:srgbClr val="FF0000"/>
-                    </a:solidFill>
-                  </a:rPr>
-                  <a:t>entire process </a:t>
+                  <a:t>, </a:t>
+                </a:r>
+                <a:r>
+                  <a:rPr lang="en-US" sz="2000" dirty="0">
+                    <a:solidFill>
+                      <a:srgbClr val="00B050"/>
+                    </a:solidFill>
+                  </a:rPr>
+                  <a:t>the entire process </a:t>
                 </a:r>
                 <a:r>
                   <a:rPr lang="en-US" sz="2000" dirty="0">
@@ -4092,8 +4100,9 @@
                 </a:r>
               </a:p>
               <a:p>
-                <a:pPr marL="0" indent="0">
-                  <a:buNone/>
+                <a:pPr>
+                  <a:buFont typeface="Wingdings" panose="05000000000000000000" pitchFamily="2" charset="2"/>
+                  <a:buChar char="q"/>
                 </a:pPr>
                 <a:endParaRPr lang="en-US" sz="2000" dirty="0">
                   <a:solidFill>
@@ -4102,7 +4111,10 @@
                 </a:endParaRPr>
               </a:p>
               <a:p>
-                <a:pPr lvl="1"/>
+                <a:pPr lvl="1">
+                  <a:buFont typeface="Wingdings" panose="05000000000000000000" pitchFamily="2" charset="2"/>
+                  <a:buChar char="q"/>
+                </a:pPr>
                 <a:r>
                   <a:rPr lang="en-US" sz="2000" dirty="0">
                     <a:solidFill>
@@ -4112,7 +4124,7 @@
                   <a:t>This means that if the main threads finishes before the threads it has created, the other threads will be </a:t>
                 </a:r>
                 <a:r>
-                  <a:rPr lang="en-US" sz="2000" b="1" i="1" dirty="0">
+                  <a:rPr lang="en-US" sz="2000" dirty="0">
                     <a:solidFill>
                       <a:srgbClr val="FF0000"/>
                     </a:solidFill>
@@ -4148,15 +4160,15 @@
                       <a:schemeClr val="accent1"/>
                     </a:solidFill>
                   </a:rPr>
-                  <a:t>If the </a:t>
-                </a:r>
-                <a:r>
-                  <a:rPr lang="en-US" sz="2000" b="1" i="1" dirty="0">
+                  <a:t>If </a:t>
+                </a:r>
+                <a:r>
+                  <a:rPr lang="en-US" sz="2000" dirty="0">
                     <a:solidFill>
                       <a:srgbClr val="FF0000"/>
                     </a:solidFill>
                   </a:rPr>
-                  <a:t>main thread </a:t>
+                  <a:t>the main thread </a:t>
                 </a:r>
                 <a:r>
                   <a:rPr lang="en-US" sz="2000" dirty="0">
@@ -4234,7 +4246,7 @@
             </p:txBody>
           </p:sp>
         </mc:Choice>
-        <mc:Fallback xmlns="">
+        <mc:Fallback>
           <p:sp>
             <p:nvSpPr>
               <p:cNvPr id="3" name="Content Placeholder 2">
@@ -4460,8 +4472,8 @@
           </a:p>
         </p:txBody>
       </p:sp>
-      <mc:AlternateContent xmlns:mc="http://schemas.openxmlformats.org/markup-compatibility/2006" xmlns:a14="http://schemas.microsoft.com/office/drawing/2010/main">
-        <mc:Choice Requires="a14">
+      <mc:AlternateContent xmlns:mc="http://schemas.openxmlformats.org/markup-compatibility/2006">
+        <mc:Choice xmlns:a14="http://schemas.microsoft.com/office/drawing/2010/main" Requires="a14">
           <p:sp>
             <p:nvSpPr>
               <p:cNvPr id="3" name="Content Placeholder 2">
@@ -4543,28 +4555,36 @@
                   <a:t> function </a:t>
                 </a:r>
                 <a:r>
+                  <a:rPr lang="en-US" sz="2000" dirty="0">
+                    <a:solidFill>
+                      <a:srgbClr val="FF0000"/>
+                    </a:solidFill>
+                  </a:rPr>
+                  <a:t>waits</a:t>
+                </a:r>
+                <a:r>
+                  <a:rPr lang="en-US" sz="2000" dirty="0">
+                    <a:solidFill>
+                      <a:schemeClr val="accent1"/>
+                    </a:solidFill>
+                  </a:rPr>
+                  <a:t> for the thread with the specified </a:t>
+                </a:r>
+                <a:r>
+                  <a:rPr lang="en-US" sz="2000" dirty="0">
+                    <a:solidFill>
+                      <a:schemeClr val="accent6"/>
+                    </a:solidFill>
+                  </a:rPr>
+                  <a:t>thread</a:t>
+                </a:r>
+                <a:r>
                   <a:rPr lang="en-US" sz="2000" b="1" i="1" dirty="0">
                     <a:solidFill>
-                      <a:srgbClr val="FF0000"/>
-                    </a:solidFill>
-                  </a:rPr>
-                  <a:t>waits</a:t>
-                </a:r>
-                <a:r>
-                  <a:rPr lang="en-US" sz="2000" dirty="0">
-                    <a:solidFill>
-                      <a:schemeClr val="accent1"/>
-                    </a:solidFill>
-                  </a:rPr>
-                  <a:t> for the thread with the specified </a:t>
-                </a:r>
-                <a:r>
-                  <a:rPr lang="en-US" sz="2000" b="1" i="1" dirty="0">
-                    <a:solidFill>
                       <a:schemeClr val="accent6"/>
                     </a:solidFill>
                   </a:rPr>
-                  <a:t>thread </a:t>
+                  <a:t> </a:t>
                 </a:r>
                 <a:r>
                   <a:rPr lang="en-US" sz="2000" dirty="0">
@@ -4576,17 +4596,10 @@
                 </a:r>
               </a:p>
               <a:p>
-                <a:pPr marL="0" indent="0" algn="l">
-                  <a:buNone/>
+                <a:pPr lvl="1">
+                  <a:buFont typeface="Wingdings" panose="05000000000000000000" pitchFamily="2" charset="2"/>
+                  <a:buChar char="q"/>
                 </a:pPr>
-                <a:endParaRPr lang="en-US" sz="2000" dirty="0">
-                  <a:solidFill>
-                    <a:schemeClr val="accent1"/>
-                  </a:solidFill>
-                </a:endParaRPr>
-              </a:p>
-              <a:p>
-                <a:pPr lvl="1"/>
                 <a:r>
                   <a:rPr lang="en-US" sz="2000" dirty="0">
                     <a:solidFill>
@@ -4659,7 +4672,7 @@
                   <a:buNone/>
                 </a:pPr>
                 <a:r>
-                  <a:rPr lang="en-US" sz="2000" b="1" i="1" u="sng" dirty="0">
+                  <a:rPr lang="en-US" sz="2000" u="sng" dirty="0">
                     <a:solidFill>
                       <a:srgbClr val="FF0000"/>
                     </a:solidFill>
@@ -4667,7 +4680,7 @@
                   <a:t>Parameters</a:t>
                 </a:r>
                 <a:r>
-                  <a:rPr lang="en-US" sz="2000" b="1" i="1" dirty="0">
+                  <a:rPr lang="en-US" sz="2000" dirty="0">
                     <a:solidFill>
                       <a:srgbClr val="FF0000"/>
                     </a:solidFill>
@@ -4681,9 +4694,12 @@
                 </a:endParaRPr>
               </a:p>
               <a:p>
-                <a:pPr lvl="1"/>
-                <a:r>
-                  <a:rPr lang="en-US" sz="2000" b="1" i="1" dirty="0">
+                <a:pPr lvl="1">
+                  <a:buFont typeface="Wingdings" panose="05000000000000000000" pitchFamily="2" charset="2"/>
+                  <a:buChar char="q"/>
+                </a:pPr>
+                <a:r>
+                  <a:rPr lang="en-US" sz="2000" dirty="0">
                     <a:solidFill>
                       <a:schemeClr val="accent6"/>
                     </a:solidFill>
@@ -4700,9 +4716,12 @@
                 </a:r>
               </a:p>
               <a:p>
-                <a:pPr lvl="1"/>
-                <a:r>
-                  <a:rPr lang="en-US" sz="2000" b="1" i="1" dirty="0">
+                <a:pPr lvl="1">
+                  <a:buFont typeface="Wingdings" panose="05000000000000000000" pitchFamily="2" charset="2"/>
+                  <a:buChar char="q"/>
+                </a:pPr>
+                <a:r>
+                  <a:rPr lang="en-US" sz="2000" dirty="0">
                     <a:solidFill>
                       <a:schemeClr val="accent6"/>
                     </a:solidFill>
@@ -4736,7 +4755,7 @@
             </p:txBody>
           </p:sp>
         </mc:Choice>
-        <mc:Fallback xmlns="">
+        <mc:Fallback>
           <p:sp>
             <p:nvSpPr>
               <p:cNvPr id="3" name="Content Placeholder 2">
@@ -4757,7 +4776,7 @@
               <a:blipFill>
                 <a:blip r:embed="rId2"/>
                 <a:stretch>
-                  <a:fillRect l="-638" t="-1401" r="-116"/>
+                  <a:fillRect l="-638" t="-1401"/>
                 </a:stretch>
               </a:blipFill>
             </p:spPr>
@@ -4798,7 +4817,7 @@
         </p:blipFill>
         <p:spPr>
           <a:xfrm>
-            <a:off x="1185862" y="4519613"/>
+            <a:off x="1214437" y="4300538"/>
             <a:ext cx="8220075" cy="1562100"/>
           </a:xfrm>
           <a:prstGeom prst="rect">
@@ -4869,8 +4888,8 @@
           </a:p>
         </p:txBody>
       </p:sp>
-      <mc:AlternateContent xmlns:mc="http://schemas.openxmlformats.org/markup-compatibility/2006" xmlns:a14="http://schemas.microsoft.com/office/drawing/2010/main">
-        <mc:Choice Requires="a14">
+      <mc:AlternateContent xmlns:mc="http://schemas.openxmlformats.org/markup-compatibility/2006">
+        <mc:Choice xmlns:a14="http://schemas.microsoft.com/office/drawing/2010/main" Requires="a14">
           <p:sp>
             <p:nvSpPr>
               <p:cNvPr id="3" name="Content Placeholder 2">
@@ -4954,7 +4973,7 @@
                   <a:t> </a:t>
                 </a:r>
                 <a:r>
-                  <a:rPr lang="en-US" sz="2000" b="1" i="1" dirty="0">
+                  <a:rPr lang="en-US" sz="2000" dirty="0">
                     <a:solidFill>
                       <a:srgbClr val="FF0000"/>
                     </a:solidFill>
@@ -4971,7 +4990,10 @@
                 </a:r>
               </a:p>
               <a:p>
-                <a:pPr lvl="1"/>
+                <a:pPr lvl="1">
+                  <a:buFont typeface="Wingdings" panose="05000000000000000000" pitchFamily="2" charset="2"/>
+                  <a:buChar char="q"/>
+                </a:pPr>
                 <a:r>
                   <a:rPr lang="en-US" sz="2000" dirty="0">
                     <a:solidFill>
@@ -4981,7 +5003,7 @@
                   <a:t>The specified thread returns from its </a:t>
                 </a:r>
                 <a:r>
-                  <a:rPr lang="en-US" sz="2000" b="1" i="1" dirty="0">
+                  <a:rPr lang="en-US" sz="2000" dirty="0">
                     <a:solidFill>
                       <a:schemeClr val="accent6"/>
                     </a:solidFill>
@@ -4998,7 +5020,10 @@
                 </a:r>
               </a:p>
               <a:p>
-                <a:pPr lvl="1"/>
+                <a:pPr lvl="1">
+                  <a:buFont typeface="Wingdings" panose="05000000000000000000" pitchFamily="2" charset="2"/>
+                  <a:buChar char="q"/>
+                </a:pPr>
                 <a:r>
                   <a:rPr lang="en-US" sz="2000" dirty="0">
                     <a:solidFill>
@@ -5057,7 +5082,10 @@
                 </a:r>
               </a:p>
               <a:p>
-                <a:pPr lvl="1"/>
+                <a:pPr lvl="1">
+                  <a:buFont typeface="Wingdings" panose="05000000000000000000" pitchFamily="2" charset="2"/>
+                  <a:buChar char="q"/>
+                </a:pPr>
                 <a:r>
                   <a:rPr lang="en-US" sz="2000" dirty="0">
                     <a:solidFill>
@@ -5067,7 +5095,7 @@
                   <a:t>The specified thread is </a:t>
                 </a:r>
                 <a:r>
-                  <a:rPr lang="en-US" sz="2000" b="1" i="1" dirty="0">
+                  <a:rPr lang="en-US" sz="2000" dirty="0">
                     <a:solidFill>
                       <a:srgbClr val="FF0000"/>
                     </a:solidFill>
@@ -5132,7 +5160,10 @@
                 </a:r>
               </a:p>
               <a:p>
-                <a:pPr lvl="2"/>
+                <a:pPr lvl="2">
+                  <a:buFont typeface="Wingdings" panose="05000000000000000000" pitchFamily="2" charset="2"/>
+                  <a:buChar char="Ø"/>
+                </a:pPr>
                 <a:r>
                   <a:rPr lang="en-US" dirty="0">
                     <a:solidFill>
@@ -5142,28 +5173,36 @@
                   <a:t>If the thread was </a:t>
                 </a:r>
                 <a:r>
+                  <a:rPr lang="en-US" dirty="0">
+                    <a:solidFill>
+                      <a:srgbClr val="FF0000"/>
+                    </a:solidFill>
+                  </a:rPr>
+                  <a:t>cancelled</a:t>
+                </a:r>
+                <a:r>
+                  <a:rPr lang="en-US" dirty="0">
+                    <a:solidFill>
+                      <a:schemeClr val="accent1"/>
+                    </a:solidFill>
+                  </a:rPr>
+                  <a:t>, the memory location specified by </a:t>
+                </a:r>
+                <a:r>
+                  <a:rPr lang="en-US" dirty="0">
+                    <a:solidFill>
+                      <a:schemeClr val="accent6"/>
+                    </a:solidFill>
+                  </a:rPr>
+                  <a:t>retval</a:t>
+                </a:r>
+                <a:r>
                   <a:rPr lang="en-US" b="1" i="1" dirty="0">
                     <a:solidFill>
-                      <a:srgbClr val="FF0000"/>
-                    </a:solidFill>
-                  </a:rPr>
-                  <a:t>cancelled</a:t>
-                </a:r>
-                <a:r>
-                  <a:rPr lang="en-US" dirty="0">
-                    <a:solidFill>
-                      <a:schemeClr val="accent1"/>
-                    </a:solidFill>
-                  </a:rPr>
-                  <a:t>, the memory location specified by </a:t>
-                </a:r>
-                <a:r>
-                  <a:rPr lang="en-US" b="1" i="1" dirty="0">
-                    <a:solidFill>
                       <a:schemeClr val="accent6"/>
                     </a:solidFill>
                   </a:rPr>
-                  <a:t>retval </a:t>
+                  <a:t> </a:t>
                 </a:r>
                 <a:r>
                   <a:rPr lang="en-US" dirty="0">
@@ -5284,7 +5323,7 @@
                   <a:t>, we automatically place the thread with which we are joining in the </a:t>
                 </a:r>
                 <a:r>
-                  <a:rPr lang="en-US" sz="2000" b="1" i="1" dirty="0">
+                  <a:rPr lang="en-US" sz="2000" dirty="0">
                     <a:solidFill>
                       <a:srgbClr val="FF0000"/>
                     </a:solidFill>
@@ -5301,7 +5340,10 @@
                 </a:r>
               </a:p>
               <a:p>
-                <a:pPr lvl="1"/>
+                <a:pPr lvl="1">
+                  <a:buFont typeface="Wingdings" panose="05000000000000000000" pitchFamily="2" charset="2"/>
+                  <a:buChar char="q"/>
+                </a:pPr>
                 <a:r>
                   <a:rPr lang="en-US" sz="2000" dirty="0">
                     <a:solidFill>
@@ -5311,7 +5353,7 @@
                   <a:t>By default, all threads are created </a:t>
                 </a:r>
                 <a:r>
-                  <a:rPr lang="en-US" sz="2000" b="1" i="1" dirty="0">
+                  <a:rPr lang="en-US" sz="2000" dirty="0">
                     <a:solidFill>
                       <a:srgbClr val="FF0000"/>
                     </a:solidFill>
@@ -5328,7 +5370,10 @@
                 </a:r>
               </a:p>
               <a:p>
-                <a:pPr lvl="1"/>
+                <a:pPr lvl="1">
+                  <a:buFont typeface="Wingdings" panose="05000000000000000000" pitchFamily="2" charset="2"/>
+                  <a:buChar char="q"/>
+                </a:pPr>
                 <a:r>
                   <a:rPr lang="en-US" sz="2000" dirty="0">
                     <a:solidFill>
@@ -5338,7 +5383,7 @@
                   <a:t>If the thread was already in the </a:t>
                 </a:r>
                 <a:r>
-                  <a:rPr lang="en-US" sz="2000" b="1" i="1" dirty="0">
+                  <a:rPr lang="en-US" sz="2000" dirty="0">
                     <a:solidFill>
                       <a:srgbClr val="FF0000"/>
                     </a:solidFill>
@@ -5402,7 +5447,7 @@
                   <a:t> can </a:t>
                 </a:r>
                 <a:r>
-                  <a:rPr lang="en-US" sz="2000" b="1" i="1" dirty="0">
+                  <a:rPr lang="en-US" sz="2000" dirty="0">
                     <a:solidFill>
                       <a:srgbClr val="FF0000"/>
                     </a:solidFill>
@@ -5462,7 +5507,7 @@
                   <a:t>If we are not interested in the thread’s return value, we can set </a:t>
                 </a:r>
                 <a:r>
-                  <a:rPr lang="en-US" sz="2000" b="1" i="1" dirty="0">
+                  <a:rPr lang="en-US" sz="2000" dirty="0">
                     <a:solidFill>
                       <a:schemeClr val="accent6"/>
                     </a:solidFill>
@@ -5558,7 +5603,7 @@
             </p:txBody>
           </p:sp>
         </mc:Choice>
-        <mc:Fallback xmlns="">
+        <mc:Fallback>
           <p:sp>
             <p:nvSpPr>
               <p:cNvPr id="3" name="Content Placeholder 2">
@@ -5908,8 +5953,8 @@
           </a:p>
         </p:txBody>
       </p:sp>
-      <mc:AlternateContent xmlns:mc="http://schemas.openxmlformats.org/markup-compatibility/2006" xmlns:a14="http://schemas.microsoft.com/office/drawing/2010/main">
-        <mc:Choice Requires="a14">
+      <mc:AlternateContent xmlns:mc="http://schemas.openxmlformats.org/markup-compatibility/2006">
+        <mc:Choice xmlns:a14="http://schemas.microsoft.com/office/drawing/2010/main" Requires="a14">
           <p:sp>
             <p:nvSpPr>
               <p:cNvPr id="3" name="Content Placeholder 2">
@@ -5945,12 +5990,20 @@
                   <a:t>One thread in a process can request that another thread </a:t>
                 </a:r>
                 <a:r>
-                  <a:rPr lang="en-US" sz="2000" b="1" i="1" dirty="0">
+                  <a:rPr lang="en-US" sz="2000" dirty="0">
+                    <a:solidFill>
+                      <a:srgbClr val="00B050"/>
+                    </a:solidFill>
+                  </a:rPr>
+                  <a:t>within</a:t>
+                </a:r>
+                <a:r>
+                  <a:rPr lang="en-US" sz="2000" dirty="0">
                     <a:solidFill>
                       <a:srgbClr val="FF0000"/>
                     </a:solidFill>
                   </a:rPr>
-                  <a:t>within the same process</a:t>
+                  <a:t> the same process</a:t>
                 </a:r>
                 <a:r>
                   <a:rPr lang="en-US" sz="2000" dirty="0">
@@ -6010,8 +6063,71 @@
                 </a:r>
               </a:p>
               <a:p>
-                <a:pPr marL="0" indent="0">
-                  <a:buNone/>
+                <a:pPr lvl="1">
+                  <a:buFont typeface="Wingdings" panose="05000000000000000000" pitchFamily="2" charset="2"/>
+                  <a:buChar char="q"/>
+                </a:pPr>
+                <a:r>
+                  <a:rPr lang="en-US" sz="2000" dirty="0">
+                    <a:solidFill>
+                      <a:schemeClr val="accent1"/>
+                    </a:solidFill>
+                  </a:rPr>
+                  <a:t>A call to </a:t>
+                </a:r>
+                <a14:m>
+                  <m:oMath xmlns:m="http://schemas.openxmlformats.org/officeDocument/2006/math">
+                    <m:r>
+                      <a:rPr lang="en-US" sz="2000" b="0" i="1" smtClean="0">
+                        <a:solidFill>
+                          <a:schemeClr val="tx1"/>
+                        </a:solidFill>
+                        <a:latin typeface="Cambria Math" panose="02040503050406030204" pitchFamily="18" charset="0"/>
+                      </a:rPr>
+                      <m:t>𝑝𝑡h𝑟𝑒𝑎𝑑</m:t>
+                    </m:r>
+                    <m:r>
+                      <a:rPr lang="en-US" sz="2000" b="0" i="1" smtClean="0">
+                        <a:solidFill>
+                          <a:schemeClr val="tx1"/>
+                        </a:solidFill>
+                        <a:latin typeface="Cambria Math" panose="02040503050406030204" pitchFamily="18" charset="0"/>
+                      </a:rPr>
+                      <m:t>_</m:t>
+                    </m:r>
+                    <m:r>
+                      <a:rPr lang="en-US" sz="2000" b="0" i="1" smtClean="0">
+                        <a:solidFill>
+                          <a:schemeClr val="tx1"/>
+                        </a:solidFill>
+                        <a:latin typeface="Cambria Math" panose="02040503050406030204" pitchFamily="18" charset="0"/>
+                      </a:rPr>
+                      <m:t>𝑐𝑎𝑛𝑐𝑒𝑙</m:t>
+                    </m:r>
+                    <m:r>
+                      <a:rPr lang="en-US" sz="2000" b="0" i="1" smtClean="0">
+                        <a:solidFill>
+                          <a:schemeClr val="tx1"/>
+                        </a:solidFill>
+                        <a:latin typeface="Cambria Math" panose="02040503050406030204" pitchFamily="18" charset="0"/>
+                      </a:rPr>
+                      <m:t>()</m:t>
+                    </m:r>
+                  </m:oMath>
+                </a14:m>
+                <a:r>
+                  <a:rPr lang="en-US" sz="2000" dirty="0">
+                    <a:solidFill>
+                      <a:schemeClr val="accent1"/>
+                    </a:solidFill>
+                  </a:rPr>
+                  <a:t>  does not wait for the specified thread to terminate; it only makes the request.</a:t>
+                </a:r>
+              </a:p>
+              <a:p>
+                <a:pPr lvl="1">
+                  <a:buFont typeface="Wingdings" panose="05000000000000000000" pitchFamily="2" charset="2"/>
+                  <a:buChar char="q"/>
                 </a:pPr>
                 <a:endParaRPr lang="en-US" sz="2000" dirty="0">
                   <a:solidFill>
@@ -6020,89 +6136,25 @@
                 </a:endParaRPr>
               </a:p>
               <a:p>
-                <a:pPr lvl="1"/>
-                <a:r>
-                  <a:rPr lang="en-US" sz="2000" dirty="0">
-                    <a:solidFill>
-                      <a:schemeClr val="accent1"/>
-                    </a:solidFill>
-                  </a:rPr>
-                  <a:t>A call to </a:t>
-                </a:r>
-                <a14:m>
-                  <m:oMath xmlns:m="http://schemas.openxmlformats.org/officeDocument/2006/math">
-                    <m:r>
-                      <a:rPr lang="en-US" sz="2000" b="0" i="1" smtClean="0">
-                        <a:solidFill>
-                          <a:schemeClr val="tx1"/>
-                        </a:solidFill>
-                        <a:latin typeface="Cambria Math" panose="02040503050406030204" pitchFamily="18" charset="0"/>
-                      </a:rPr>
-                      <m:t>𝑝𝑡h𝑟𝑒𝑎𝑑</m:t>
-                    </m:r>
-                    <m:r>
-                      <a:rPr lang="en-US" sz="2000" b="0" i="1" smtClean="0">
-                        <a:solidFill>
-                          <a:schemeClr val="tx1"/>
-                        </a:solidFill>
-                        <a:latin typeface="Cambria Math" panose="02040503050406030204" pitchFamily="18" charset="0"/>
-                      </a:rPr>
-                      <m:t>_</m:t>
-                    </m:r>
-                    <m:r>
-                      <a:rPr lang="en-US" sz="2000" b="0" i="1" smtClean="0">
-                        <a:solidFill>
-                          <a:schemeClr val="tx1"/>
-                        </a:solidFill>
-                        <a:latin typeface="Cambria Math" panose="02040503050406030204" pitchFamily="18" charset="0"/>
-                      </a:rPr>
-                      <m:t>𝑐𝑎𝑛𝑐𝑒𝑙</m:t>
-                    </m:r>
-                    <m:r>
-                      <a:rPr lang="en-US" sz="2000" b="0" i="1" smtClean="0">
-                        <a:solidFill>
-                          <a:schemeClr val="tx1"/>
-                        </a:solidFill>
-                        <a:latin typeface="Cambria Math" panose="02040503050406030204" pitchFamily="18" charset="0"/>
-                      </a:rPr>
-                      <m:t>()</m:t>
-                    </m:r>
-                  </m:oMath>
-                </a14:m>
-                <a:r>
-                  <a:rPr lang="en-US" sz="2000" dirty="0">
-                    <a:solidFill>
-                      <a:schemeClr val="accent1"/>
-                    </a:solidFill>
-                  </a:rPr>
-                  <a:t>  does not wait for the specified thread to terminate; it only makes the request.</a:t>
-                </a:r>
-              </a:p>
-              <a:p>
-                <a:pPr lvl="1"/>
-                <a:endParaRPr lang="en-US" sz="2000" dirty="0">
-                  <a:solidFill>
-                    <a:schemeClr val="accent1"/>
-                  </a:solidFill>
-                </a:endParaRPr>
-              </a:p>
-              <a:p>
-                <a:pPr lvl="1"/>
-                <a:r>
-                  <a:rPr lang="en-US" sz="2000" dirty="0">
-                    <a:solidFill>
-                      <a:schemeClr val="accent1"/>
-                    </a:solidFill>
-                  </a:rPr>
-                  <a:t>In the </a:t>
-                </a:r>
-                <a:r>
-                  <a:rPr lang="en-US" sz="2000" b="1" i="1" dirty="0">
+                <a:pPr lvl="1">
+                  <a:buFont typeface="Wingdings" panose="05000000000000000000" pitchFamily="2" charset="2"/>
+                  <a:buChar char="q"/>
+                </a:pPr>
+                <a:r>
+                  <a:rPr lang="en-US" sz="2000" dirty="0">
+                    <a:solidFill>
+                      <a:schemeClr val="accent1"/>
+                    </a:solidFill>
+                  </a:rPr>
+                  <a:t>In </a:t>
+                </a:r>
+                <a:r>
+                  <a:rPr lang="en-US" sz="2000" dirty="0">
                     <a:solidFill>
                       <a:srgbClr val="FF0000"/>
                     </a:solidFill>
                   </a:rPr>
-                  <a:t>default circumstances</a:t>
+                  <a:t>the default circumstances</a:t>
                 </a:r>
                 <a:r>
                   <a:rPr lang="en-US" sz="2000" dirty="0">
@@ -6236,7 +6288,7 @@
                   <a:buNone/>
                 </a:pPr>
                 <a:r>
-                  <a:rPr lang="en-US" sz="2000" b="1" i="1" u="sng" dirty="0">
+                  <a:rPr lang="en-US" sz="2000" u="sng" dirty="0">
                     <a:solidFill>
                       <a:srgbClr val="FF0000"/>
                     </a:solidFill>
@@ -6244,7 +6296,7 @@
                   <a:t>Parameter</a:t>
                 </a:r>
                 <a:r>
-                  <a:rPr lang="en-US" sz="2000" b="1" i="1" dirty="0">
+                  <a:rPr lang="en-US" sz="2000" dirty="0">
                     <a:solidFill>
                       <a:srgbClr val="FF0000"/>
                     </a:solidFill>
@@ -6253,7 +6305,10 @@
                 </a:r>
               </a:p>
               <a:p>
-                <a:pPr lvl="1"/>
+                <a:pPr lvl="1">
+                  <a:buFont typeface="Wingdings" panose="05000000000000000000" pitchFamily="2" charset="2"/>
+                  <a:buChar char="q"/>
+                </a:pPr>
                 <a:r>
                   <a:rPr lang="en-US" sz="2000" b="1" i="1" dirty="0">
                     <a:solidFill>
@@ -6289,7 +6344,7 @@
             </p:txBody>
           </p:sp>
         </mc:Choice>
-        <mc:Fallback xmlns="">
+        <mc:Fallback>
           <p:sp>
             <p:nvSpPr>
               <p:cNvPr id="3" name="Content Placeholder 2">
@@ -6351,7 +6406,7 @@
         </p:blipFill>
         <p:spPr>
           <a:xfrm>
-            <a:off x="1328737" y="5140325"/>
+            <a:off x="1281112" y="4826000"/>
             <a:ext cx="8734425" cy="1238250"/>
           </a:xfrm>
           <a:prstGeom prst="rect">
@@ -6422,8 +6477,8 @@
           </a:p>
         </p:txBody>
       </p:sp>
-      <mc:AlternateContent xmlns:mc="http://schemas.openxmlformats.org/markup-compatibility/2006" xmlns:a14="http://schemas.microsoft.com/office/drawing/2010/main">
-        <mc:Choice Requires="a14">
+      <mc:AlternateContent xmlns:mc="http://schemas.openxmlformats.org/markup-compatibility/2006">
+        <mc:Choice xmlns:a14="http://schemas.microsoft.com/office/drawing/2010/main" Requires="a14">
           <p:sp>
             <p:nvSpPr>
               <p:cNvPr id="3" name="Content Placeholder 2">
@@ -6506,7 +6561,10 @@
                 </a:r>
               </a:p>
               <a:p>
-                <a:pPr lvl="1"/>
+                <a:pPr lvl="1">
+                  <a:buFont typeface="Wingdings" panose="05000000000000000000" pitchFamily="2" charset="2"/>
+                  <a:buChar char="q"/>
+                </a:pPr>
                 <a:r>
                   <a:rPr lang="en-US" sz="2000" dirty="0">
                     <a:solidFill>
@@ -6516,7 +6574,7 @@
                   <a:t>On the contrary, the underlying resources of a thread in the </a:t>
                 </a:r>
                 <a:r>
-                  <a:rPr lang="en-US" sz="2000" b="1" i="1" dirty="0">
+                  <a:rPr lang="en-US" sz="2000" dirty="0">
                     <a:solidFill>
                       <a:srgbClr val="FF0000"/>
                     </a:solidFill>
@@ -6533,8 +6591,9 @@
                 </a:r>
               </a:p>
               <a:p>
-                <a:pPr marL="457200" lvl="1" indent="0">
-                  <a:buNone/>
+                <a:pPr lvl="1">
+                  <a:buFont typeface="Wingdings" panose="05000000000000000000" pitchFamily="2" charset="2"/>
+                  <a:buChar char="q"/>
                 </a:pPr>
                 <a:endParaRPr lang="en-US" sz="2000" dirty="0">
                   <a:solidFill>
@@ -6543,7 +6602,10 @@
                 </a:endParaRPr>
               </a:p>
               <a:p>
-                <a:pPr lvl="1"/>
+                <a:pPr lvl="1">
+                  <a:buFont typeface="Wingdings" panose="05000000000000000000" pitchFamily="2" charset="2"/>
+                  <a:buChar char="q"/>
+                </a:pPr>
                 <a:r>
                   <a:rPr lang="en-US" sz="2000" dirty="0">
                     <a:solidFill>
@@ -6601,9 +6663,9 @@
                   <a:t> as we will risk encountering </a:t>
                 </a:r>
                 <a:r>
-                  <a:rPr lang="en-US" sz="2000" b="1" i="1" dirty="0">
-                    <a:solidFill>
-                      <a:srgbClr val="FF0000"/>
+                  <a:rPr lang="en-US" sz="2000" dirty="0">
+                    <a:solidFill>
+                      <a:srgbClr val="00B050"/>
                     </a:solidFill>
                   </a:rPr>
                   <a:t>undefined behavior</a:t>
@@ -6641,7 +6703,7 @@
               <a:p>
                 <a:pPr lvl="1"/>
                 <a:r>
-                  <a:rPr lang="en-US" sz="2000" b="1" i="1" dirty="0">
+                  <a:rPr lang="en-US" sz="2000" dirty="0">
                     <a:solidFill>
                       <a:schemeClr val="accent6"/>
                     </a:solidFill>
@@ -6672,7 +6734,7 @@
             </p:txBody>
           </p:sp>
         </mc:Choice>
-        <mc:Fallback xmlns="">
+        <mc:Fallback>
           <p:sp>
             <p:nvSpPr>
               <p:cNvPr id="3" name="Content Placeholder 2">
@@ -6734,7 +6796,7 @@
         </p:blipFill>
         <p:spPr>
           <a:xfrm>
-            <a:off x="1214437" y="4967288"/>
+            <a:off x="1471612" y="4900613"/>
             <a:ext cx="8963025" cy="1209675"/>
           </a:xfrm>
           <a:prstGeom prst="rect">
@@ -6928,8 +6990,8 @@
           </a:p>
         </p:txBody>
       </p:sp>
-      <mc:AlternateContent xmlns:mc="http://schemas.openxmlformats.org/markup-compatibility/2006" xmlns:a14="http://schemas.microsoft.com/office/drawing/2010/main">
-        <mc:Choice Requires="a14">
+      <mc:AlternateContent xmlns:mc="http://schemas.openxmlformats.org/markup-compatibility/2006">
+        <mc:Choice xmlns:a14="http://schemas.microsoft.com/office/drawing/2010/main" Requires="a14">
           <p:sp>
             <p:nvSpPr>
               <p:cNvPr id="3" name="Content Placeholder 2">
@@ -6965,7 +7027,7 @@
                   <a:t>Shared data in a critical region can be protected using Pthreads’ </a:t>
                 </a:r>
                 <a:r>
-                  <a:rPr lang="en-US" sz="2000" b="1" i="1" dirty="0">
+                  <a:rPr lang="en-US" sz="2000" dirty="0">
                     <a:solidFill>
                       <a:srgbClr val="FF0000"/>
                     </a:solidFill>
@@ -6992,7 +7054,10 @@
                 </a:endParaRPr>
               </a:p>
               <a:p>
-                <a:pPr lvl="1"/>
+                <a:pPr lvl="1">
+                  <a:buFont typeface="Wingdings" panose="05000000000000000000" pitchFamily="2" charset="2"/>
+                  <a:buChar char="q"/>
+                </a:pPr>
                 <a:r>
                   <a:rPr lang="en-US" sz="2000" dirty="0">
                     <a:solidFill>
@@ -7008,7 +7073,6 @@
                         <a:solidFill>
                           <a:schemeClr val="tx1"/>
                         </a:solidFill>
-                        <a:latin typeface="Cambria Math" panose="02040503050406030204" pitchFamily="18" charset="0"/>
                       </a:rPr>
                       <m:t>𝑝𝑡h𝑟𝑒𝑎𝑑</m:t>
                     </m:r>
@@ -7017,7 +7081,6 @@
                         <a:solidFill>
                           <a:schemeClr val="tx1"/>
                         </a:solidFill>
-                        <a:latin typeface="Cambria Math" panose="02040503050406030204" pitchFamily="18" charset="0"/>
                       </a:rPr>
                       <m:t>_</m:t>
                     </m:r>
@@ -7026,7 +7089,6 @@
                         <a:solidFill>
                           <a:schemeClr val="tx1"/>
                         </a:solidFill>
-                        <a:latin typeface="Cambria Math" panose="02040503050406030204" pitchFamily="18" charset="0"/>
                       </a:rPr>
                       <m:t>𝑚𝑢𝑡𝑒𝑥</m:t>
                     </m:r>
@@ -7035,7 +7097,6 @@
                         <a:solidFill>
                           <a:schemeClr val="tx1"/>
                         </a:solidFill>
-                        <a:latin typeface="Cambria Math" panose="02040503050406030204" pitchFamily="18" charset="0"/>
                       </a:rPr>
                       <m:t>_</m:t>
                     </m:r>
@@ -7044,7 +7105,6 @@
                         <a:solidFill>
                           <a:schemeClr val="tx1"/>
                         </a:solidFill>
-                        <a:latin typeface="Cambria Math" panose="02040503050406030204" pitchFamily="18" charset="0"/>
                       </a:rPr>
                       <m:t>𝑡</m:t>
                     </m:r>
@@ -7059,9 +7119,9 @@
                   <a:t> is a lock that a thread must </a:t>
                 </a:r>
                 <a:r>
-                  <a:rPr lang="en-US" sz="2000" b="1" i="1" dirty="0">
-                    <a:solidFill>
-                      <a:srgbClr val="FF0000"/>
+                  <a:rPr lang="en-US" sz="2000" dirty="0">
+                    <a:solidFill>
+                      <a:srgbClr val="00B050"/>
                     </a:solidFill>
                   </a:rPr>
                   <a:t>acquire</a:t>
@@ -7075,25 +7135,26 @@
                   <a:t> before it can access shared data and </a:t>
                 </a:r>
                 <a:r>
-                  <a:rPr lang="en-US" sz="2000" b="1" i="1" dirty="0">
-                    <a:solidFill>
-                      <a:srgbClr val="FF0000"/>
-                    </a:solidFill>
-                  </a:rPr>
-                  <a:t>release</a:t>
-                </a:r>
-                <a:r>
-                  <a:rPr lang="en-US" sz="2000" dirty="0">
-                    <a:solidFill>
-                      <a:schemeClr val="accent1"/>
-                    </a:solidFill>
-                  </a:rPr>
-                  <a:t> when the thread is done accessing the data.</a:t>
-                </a:r>
-              </a:p>
-              <a:p>
-                <a:pPr marL="457200" lvl="1" indent="0">
-                  <a:buNone/>
+                  <a:rPr lang="en-US" sz="2000" dirty="0">
+                    <a:solidFill>
+                      <a:srgbClr val="00B050"/>
+                    </a:solidFill>
+                  </a:rPr>
+                  <a:t>release </a:t>
+                </a:r>
+                <a:r>
+                  <a:rPr lang="en-US" sz="2000" dirty="0">
+                    <a:solidFill>
+                      <a:schemeClr val="accent1"/>
+                    </a:solidFill>
+                  </a:rPr>
+                  <a:t>when the thread is done accessing the data.</a:t>
+                </a:r>
+              </a:p>
+              <a:p>
+                <a:pPr lvl="1">
+                  <a:buFont typeface="Wingdings" panose="05000000000000000000" pitchFamily="2" charset="2"/>
+                  <a:buChar char="q"/>
                 </a:pPr>
                 <a:endParaRPr lang="en-US" sz="2000" dirty="0">
                   <a:solidFill>
@@ -7102,7 +7163,10 @@
                 </a:endParaRPr>
               </a:p>
               <a:p>
-                <a:pPr lvl="1"/>
+                <a:pPr lvl="1">
+                  <a:buFont typeface="Wingdings" panose="05000000000000000000" pitchFamily="2" charset="2"/>
+                  <a:buChar char="q"/>
+                </a:pPr>
                 <a:r>
                   <a:rPr lang="en-US" sz="2000" dirty="0">
                     <a:solidFill>
@@ -7112,7 +7176,7 @@
                   <a:t>While a lock’s value is set, any thread that attempts to acquire the mutex will be blocked until the </a:t>
                 </a:r>
                 <a:r>
-                  <a:rPr lang="en-US" sz="2000" b="1" i="1" dirty="0">
+                  <a:rPr lang="en-US" sz="2000" dirty="0">
                     <a:solidFill>
                       <a:srgbClr val="FF0000"/>
                     </a:solidFill>
@@ -7129,8 +7193,9 @@
                 </a:r>
               </a:p>
               <a:p>
-                <a:pPr marL="457200" lvl="1" indent="0">
-                  <a:buNone/>
+                <a:pPr lvl="1">
+                  <a:buFont typeface="Wingdings" panose="05000000000000000000" pitchFamily="2" charset="2"/>
+                  <a:buChar char="q"/>
                 </a:pPr>
                 <a:endParaRPr lang="en-US" sz="2000" dirty="0">
                   <a:solidFill>
@@ -7139,7 +7204,10 @@
                 </a:endParaRPr>
               </a:p>
               <a:p>
-                <a:pPr lvl="1"/>
+                <a:pPr lvl="1">
+                  <a:buFont typeface="Wingdings" panose="05000000000000000000" pitchFamily="2" charset="2"/>
+                  <a:buChar char="q"/>
+                </a:pPr>
                 <a:r>
                   <a:rPr lang="en-US" sz="2000" dirty="0">
                     <a:solidFill>
@@ -7150,7 +7218,10 @@
                 </a:r>
               </a:p>
               <a:p>
-                <a:pPr lvl="1"/>
+                <a:pPr lvl="1">
+                  <a:buFont typeface="Wingdings" panose="05000000000000000000" pitchFamily="2" charset="2"/>
+                  <a:buChar char="q"/>
+                </a:pPr>
                 <a:endParaRPr lang="en-US" sz="2000" dirty="0">
                   <a:solidFill>
                     <a:schemeClr val="accent1"/>
@@ -7158,7 +7229,10 @@
                 </a:endParaRPr>
               </a:p>
               <a:p>
-                <a:pPr lvl="1"/>
+                <a:pPr lvl="1">
+                  <a:buFont typeface="Wingdings" panose="05000000000000000000" pitchFamily="2" charset="2"/>
+                  <a:buChar char="q"/>
+                </a:pPr>
                 <a:r>
                   <a:rPr lang="en-US" sz="2000" dirty="0">
                     <a:solidFill>
@@ -7168,9 +7242,9 @@
                   <a:t>An attempt to release a lock owned by a different thread can result in </a:t>
                 </a:r>
                 <a:r>
-                  <a:rPr lang="en-US" sz="2000" b="1" i="1" dirty="0">
-                    <a:solidFill>
-                      <a:srgbClr val="FF0000"/>
+                  <a:rPr lang="en-US" sz="2000" dirty="0">
+                    <a:solidFill>
+                      <a:srgbClr val="00B050"/>
                     </a:solidFill>
                   </a:rPr>
                   <a:t>undefined behavior</a:t>
@@ -7187,7 +7261,7 @@
             </p:txBody>
           </p:sp>
         </mc:Choice>
-        <mc:Fallback xmlns="">
+        <mc:Fallback>
           <p:sp>
             <p:nvSpPr>
               <p:cNvPr id="3" name="Content Placeholder 2">
@@ -7332,14 +7406,25 @@
             </a:r>
           </a:p>
           <a:p>
-            <a:pPr lvl="1"/>
+            <a:pPr lvl="1">
+              <a:buFont typeface="Wingdings" panose="05000000000000000000" pitchFamily="2" charset="2"/>
+              <a:buChar char="q"/>
+            </a:pPr>
             <a:r>
               <a:rPr lang="en-US" sz="4000" dirty="0">
                 <a:solidFill>
                   <a:schemeClr val="accent1"/>
                 </a:solidFill>
               </a:rPr>
-              <a:t> Multithreaded Programming with Pthreads	</a:t>
+              <a:t> Multithreaded Programming with Pthreads</a:t>
+            </a:r>
+            <a:r>
+              <a:rPr lang="en-US" sz="3600" dirty="0">
+                <a:solidFill>
+                  <a:schemeClr val="accent1"/>
+                </a:solidFill>
+              </a:rPr>
+              <a:t>	</a:t>
             </a:r>
           </a:p>
           <a:p>
@@ -11421,8 +11506,8 @@
           </a:p>
         </p:txBody>
       </p:sp>
-      <mc:AlternateContent xmlns:mc="http://schemas.openxmlformats.org/markup-compatibility/2006" xmlns:a14="http://schemas.microsoft.com/office/drawing/2010/main">
-        <mc:Choice Requires="a14">
+      <mc:AlternateContent xmlns:mc="http://schemas.openxmlformats.org/markup-compatibility/2006">
+        <mc:Choice xmlns:a14="http://schemas.microsoft.com/office/drawing/2010/main" Requires="a14">
           <p:sp>
             <p:nvSpPr>
               <p:cNvPr id="3" name="Content Placeholder 2">
@@ -11453,47 +11538,31 @@
                       <a:schemeClr val="accent1"/>
                     </a:solidFill>
                   </a:rPr>
-                  <a:t>Initially, a program consists of a </a:t>
-                </a:r>
-                <a:r>
-                  <a:rPr lang="en-US" sz="2000" b="1" i="1" dirty="0">
+                  <a:t>Initially, a program consists of </a:t>
+                </a:r>
+                <a:r>
+                  <a:rPr lang="en-US" sz="2000" dirty="0">
                     <a:solidFill>
                       <a:srgbClr val="FF0000"/>
                     </a:solidFill>
                   </a:rPr>
-                  <a:t>single thread </a:t>
-                </a:r>
-                <a:r>
-                  <a:rPr lang="en-US" sz="2000" dirty="0">
-                    <a:solidFill>
-                      <a:schemeClr val="accent1"/>
-                    </a:solidFill>
-                  </a:rPr>
-                  <a:t>of execution, often referred to as the </a:t>
-                </a:r>
-                <a:r>
-                  <a:rPr lang="en-US" sz="2000" b="1" i="1" dirty="0">
-                    <a:solidFill>
-                      <a:srgbClr val="FF0000"/>
-                    </a:solidFill>
-                  </a:rPr>
-                  <a:t>main</a:t>
-                </a:r>
-                <a:r>
-                  <a:rPr lang="en-US" sz="2000" dirty="0">
-                    <a:solidFill>
-                      <a:schemeClr val="accent1"/>
-                    </a:solidFill>
-                  </a:rPr>
-                  <a:t> </a:t>
-                </a:r>
-                <a:r>
-                  <a:rPr lang="en-US" sz="2000" b="1" i="1" dirty="0">
-                    <a:solidFill>
-                      <a:srgbClr val="FF0000"/>
-                    </a:solidFill>
-                  </a:rPr>
-                  <a:t>thread</a:t>
+                  <a:t>a single thread </a:t>
+                </a:r>
+                <a:r>
+                  <a:rPr lang="en-US" sz="2000" dirty="0">
+                    <a:solidFill>
+                      <a:schemeClr val="accent1"/>
+                    </a:solidFill>
+                  </a:rPr>
+                  <a:t>of execution, often referred to as </a:t>
+                </a:r>
+                <a:r>
+                  <a:rPr lang="en-US" sz="2000" dirty="0">
+                    <a:solidFill>
+                      <a:srgbClr val="00B050"/>
+                    </a:solidFill>
+                  </a:rPr>
+                  <a:t>the main thread</a:t>
                 </a:r>
                 <a:r>
                   <a:rPr lang="en-US" sz="2000" dirty="0">
@@ -11527,7 +11596,7 @@
                   <a:t>If we want to spawn </a:t>
                 </a:r>
                 <a:r>
-                  <a:rPr lang="en-US" sz="2000" b="1" i="1" dirty="0">
+                  <a:rPr lang="en-US" sz="2000" dirty="0">
                     <a:solidFill>
                       <a:srgbClr val="FF0000"/>
                     </a:solidFill>
@@ -11540,15 +11609,15 @@
                       <a:schemeClr val="accent1"/>
                     </a:solidFill>
                   </a:rPr>
-                  <a:t>from the </a:t>
-                </a:r>
-                <a:r>
-                  <a:rPr lang="en-US" sz="2000" b="1" i="1" dirty="0">
-                    <a:solidFill>
-                      <a:srgbClr val="FF0000"/>
-                    </a:solidFill>
-                  </a:rPr>
-                  <a:t>main thread</a:t>
+                  <a:t>from </a:t>
+                </a:r>
+                <a:r>
+                  <a:rPr lang="en-US" sz="2000" dirty="0">
+                    <a:solidFill>
+                      <a:srgbClr val="00B050"/>
+                    </a:solidFill>
+                  </a:rPr>
+                  <a:t>the main thread</a:t>
                 </a:r>
                 <a:r>
                   <a:rPr lang="en-US" sz="2000" dirty="0">
@@ -11631,7 +11700,7 @@
             </p:txBody>
           </p:sp>
         </mc:Choice>
-        <mc:Fallback xmlns="">
+        <mc:Fallback>
           <p:sp>
             <p:nvSpPr>
               <p:cNvPr id="3" name="Content Placeholder 2">
@@ -11652,7 +11721,7 @@
               <a:blipFill>
                 <a:blip r:embed="rId2"/>
                 <a:stretch>
-                  <a:fillRect l="-638" t="-1401"/>
+                  <a:fillRect l="-638" t="-1401" r="-754"/>
                 </a:stretch>
               </a:blipFill>
             </p:spPr>
@@ -16625,8 +16694,8 @@
           </a:p>
         </p:txBody>
       </p:sp>
-      <mc:AlternateContent xmlns:mc="http://schemas.openxmlformats.org/markup-compatibility/2006" xmlns:a14="http://schemas.microsoft.com/office/drawing/2010/main">
-        <mc:Choice Requires="a14">
+      <mc:AlternateContent xmlns:mc="http://schemas.openxmlformats.org/markup-compatibility/2006">
+        <mc:Choice xmlns:a14="http://schemas.microsoft.com/office/drawing/2010/main" Requires="a14">
           <p:sp>
             <p:nvSpPr>
               <p:cNvPr id="3" name="Content Placeholder 2">
@@ -16654,7 +16723,7 @@
                   <a:buNone/>
                 </a:pPr>
                 <a:r>
-                  <a:rPr lang="en-US" sz="2000" b="1" i="1" u="sng" dirty="0">
+                  <a:rPr lang="en-US" sz="2000" u="sng" dirty="0">
                     <a:solidFill>
                       <a:srgbClr val="FF0000"/>
                     </a:solidFill>
@@ -16662,22 +16731,34 @@
                   <a:t>Parameters</a:t>
                 </a:r>
                 <a:r>
+                  <a:rPr lang="en-US" sz="2000" dirty="0">
+                    <a:solidFill>
+                      <a:srgbClr val="FF0000"/>
+                    </a:solidFill>
+                  </a:rPr>
+                  <a:t>:</a:t>
+                </a:r>
+              </a:p>
+              <a:p>
+                <a:pPr>
+                  <a:buFont typeface="Wingdings" panose="05000000000000000000" pitchFamily="2" charset="2"/>
+                  <a:buChar char="q"/>
+                </a:pPr>
+                <a:r>
+                  <a:rPr lang="en-US" sz="2000" dirty="0">
+                    <a:solidFill>
+                      <a:schemeClr val="accent6"/>
+                    </a:solidFill>
+                  </a:rPr>
+                  <a:t>thread</a:t>
+                </a:r>
+                <a:r>
                   <a:rPr lang="en-US" sz="2000" b="1" i="1" dirty="0">
                     <a:solidFill>
-                      <a:srgbClr val="FF0000"/>
-                    </a:solidFill>
-                  </a:rPr>
-                  <a:t>:</a:t>
-                </a:r>
-              </a:p>
-              <a:p>
-                <a:r>
-                  <a:rPr lang="en-US" sz="2000" b="1" i="1" dirty="0">
-                    <a:solidFill>
                       <a:schemeClr val="accent6"/>
                     </a:solidFill>
                   </a:rPr>
-                  <a:t>thread </a:t>
+                  <a:t> </a:t>
                 </a:r>
                 <a:r>
                   <a:rPr lang="en-US" sz="2000" dirty="0">
@@ -16688,7 +16769,7 @@
                   <a:t>: pointer to an </a:t>
                 </a:r>
                 <a:r>
-                  <a:rPr lang="en-US" sz="2000" b="1" i="1" dirty="0">
+                  <a:rPr lang="en-US" sz="2000" dirty="0">
                     <a:solidFill>
                       <a:srgbClr val="FF0000"/>
                     </a:solidFill>
@@ -16710,7 +16791,6 @@
                         <a:solidFill>
                           <a:schemeClr val="tx1"/>
                         </a:solidFill>
-                        <a:latin typeface="Cambria Math" panose="02040503050406030204" pitchFamily="18" charset="0"/>
                       </a:rPr>
                       <m:t>𝑝𝑡h𝑟𝑒𝑎𝑑</m:t>
                     </m:r>
@@ -16719,7 +16799,6 @@
                         <a:solidFill>
                           <a:schemeClr val="tx1"/>
                         </a:solidFill>
-                        <a:latin typeface="Cambria Math" panose="02040503050406030204" pitchFamily="18" charset="0"/>
                       </a:rPr>
                       <m:t>_</m:t>
                     </m:r>
@@ -16728,7 +16807,6 @@
                         <a:solidFill>
                           <a:schemeClr val="tx1"/>
                         </a:solidFill>
-                        <a:latin typeface="Cambria Math" panose="02040503050406030204" pitchFamily="18" charset="0"/>
                       </a:rPr>
                       <m:t>𝑡</m:t>
                     </m:r>
@@ -16745,27 +16823,19 @@
                 <a14:m>
                   <m:oMath xmlns:m="http://schemas.openxmlformats.org/officeDocument/2006/math">
                     <m:r>
-                      <a:rPr lang="en-US" sz="2000" i="1">
-                        <a:latin typeface="Cambria Math" panose="02040503050406030204" pitchFamily="18" charset="0"/>
-                      </a:rPr>
+                      <a:rPr lang="en-US" sz="2000" i="1"/>
                       <m:t>𝑝𝑡h𝑟𝑒𝑎𝑑</m:t>
                     </m:r>
                     <m:r>
-                      <a:rPr lang="en-US" sz="2000" i="1">
-                        <a:latin typeface="Cambria Math" panose="02040503050406030204" pitchFamily="18" charset="0"/>
-                      </a:rPr>
+                      <a:rPr lang="en-US" sz="2000" i="1"/>
                       <m:t>_</m:t>
                     </m:r>
                     <m:r>
-                      <a:rPr lang="en-US" sz="2000" i="1">
-                        <a:latin typeface="Cambria Math" panose="02040503050406030204" pitchFamily="18" charset="0"/>
-                      </a:rPr>
+                      <a:rPr lang="en-US" sz="2000" i="1"/>
                       <m:t>𝑐𝑟𝑒𝑎𝑡𝑒</m:t>
                     </m:r>
                     <m:r>
-                      <a:rPr lang="en-US" sz="2000" b="0" i="1" smtClean="0">
-                        <a:latin typeface="Cambria Math" panose="02040503050406030204" pitchFamily="18" charset="0"/>
-                      </a:rPr>
+                      <a:rPr lang="en-US" sz="2000" b="0" i="1" smtClean="0"/>
                       <m:t>()</m:t>
                     </m:r>
                   </m:oMath>
@@ -16784,7 +16854,10 @@
                 </a:r>
               </a:p>
               <a:p>
-                <a:pPr lvl="1"/>
+                <a:pPr lvl="1">
+                  <a:buFont typeface="Wingdings" panose="05000000000000000000" pitchFamily="2" charset="2"/>
+                  <a:buChar char="Ø"/>
+                </a:pPr>
                 <a:r>
                   <a:rPr lang="en-US" sz="2000" dirty="0">
                     <a:solidFill>
@@ -16800,7 +16873,6 @@
                         <a:solidFill>
                           <a:schemeClr val="tx1"/>
                         </a:solidFill>
-                        <a:latin typeface="Cambria Math" panose="02040503050406030204" pitchFamily="18" charset="0"/>
                       </a:rPr>
                       <m:t>𝑝𝑡h𝑟𝑒𝑎𝑑</m:t>
                     </m:r>
@@ -16809,7 +16881,6 @@
                         <a:solidFill>
                           <a:schemeClr val="tx1"/>
                         </a:solidFill>
-                        <a:latin typeface="Cambria Math" panose="02040503050406030204" pitchFamily="18" charset="0"/>
                       </a:rPr>
                       <m:t>_</m:t>
                     </m:r>
@@ -16818,7 +16889,6 @@
                         <a:solidFill>
                           <a:schemeClr val="tx1"/>
                         </a:solidFill>
-                        <a:latin typeface="Cambria Math" panose="02040503050406030204" pitchFamily="18" charset="0"/>
                       </a:rPr>
                       <m:t>𝑡</m:t>
                     </m:r>
@@ -16847,21 +16917,15 @@
                 <a14:m>
                   <m:oMath xmlns:m="http://schemas.openxmlformats.org/officeDocument/2006/math">
                     <m:r>
-                      <a:rPr lang="en-US" sz="2000" b="0" i="1" smtClean="0">
-                        <a:latin typeface="Cambria Math" panose="02040503050406030204" pitchFamily="18" charset="0"/>
-                      </a:rPr>
+                      <a:rPr lang="en-US" sz="2000" b="0" i="1" smtClean="0"/>
                       <m:t>𝑢𝑛𝑠𝑖𝑔𝑛𝑒𝑑</m:t>
                     </m:r>
                     <m:r>
-                      <a:rPr lang="en-US" sz="2000" b="0" i="1" smtClean="0">
-                        <a:latin typeface="Cambria Math" panose="02040503050406030204" pitchFamily="18" charset="0"/>
-                      </a:rPr>
+                      <a:rPr lang="en-US" sz="2000" b="0" i="1" smtClean="0"/>
                       <m:t> </m:t>
                     </m:r>
                     <m:r>
-                      <a:rPr lang="en-US" sz="2000" b="0" i="1" smtClean="0">
-                        <a:latin typeface="Cambria Math" panose="02040503050406030204" pitchFamily="18" charset="0"/>
-                      </a:rPr>
+                      <a:rPr lang="en-US" sz="2000" b="0" i="1" smtClean="0"/>
                       <m:t>𝑙𝑜𝑛𝑔</m:t>
                     </m:r>
                   </m:oMath>
@@ -16876,7 +16940,10 @@
                 </a:r>
               </a:p>
               <a:p>
-                <a:pPr lvl="1"/>
+                <a:pPr lvl="1">
+                  <a:buFont typeface="Wingdings" panose="05000000000000000000" pitchFamily="2" charset="2"/>
+                  <a:buChar char="Ø"/>
+                </a:pPr>
                 <a:r>
                   <a:rPr lang="en-US" sz="2000" dirty="0">
                     <a:solidFill>
@@ -16887,8 +16954,12 @@
                 </a:r>
               </a:p>
               <a:p>
-                <a:r>
-                  <a:rPr lang="en-US" sz="2000" b="1" i="1" dirty="0">
+                <a:pPr>
+                  <a:buFont typeface="Wingdings" panose="05000000000000000000" pitchFamily="2" charset="2"/>
+                  <a:buChar char="q"/>
+                </a:pPr>
+                <a:r>
+                  <a:rPr lang="en-US" sz="2000" dirty="0">
                     <a:solidFill>
                       <a:schemeClr val="accent6"/>
                     </a:solidFill>
@@ -16904,7 +16975,7 @@
                   <a:t>: pointer to an </a:t>
                 </a:r>
                 <a:r>
-                  <a:rPr lang="en-US" sz="2000" b="1" i="1" dirty="0">
+                  <a:rPr lang="en-US" sz="2000" dirty="0">
                     <a:solidFill>
                       <a:srgbClr val="FF0000"/>
                     </a:solidFill>
@@ -16926,7 +16997,6 @@
                         <a:solidFill>
                           <a:schemeClr val="tx1"/>
                         </a:solidFill>
-                        <a:latin typeface="Cambria Math" panose="02040503050406030204" pitchFamily="18" charset="0"/>
                       </a:rPr>
                       <m:t>𝑝𝑡h𝑟𝑒𝑎𝑑</m:t>
                     </m:r>
@@ -16935,7 +17005,6 @@
                         <a:solidFill>
                           <a:schemeClr val="tx1"/>
                         </a:solidFill>
-                        <a:latin typeface="Cambria Math" panose="02040503050406030204" pitchFamily="18" charset="0"/>
                       </a:rPr>
                       <m:t>_</m:t>
                     </m:r>
@@ -16944,7 +17013,6 @@
                         <a:solidFill>
                           <a:schemeClr val="tx1"/>
                         </a:solidFill>
-                        <a:latin typeface="Cambria Math" panose="02040503050406030204" pitchFamily="18" charset="0"/>
                       </a:rPr>
                       <m:t>𝑎𝑡𝑡𝑟</m:t>
                     </m:r>
@@ -16953,7 +17021,6 @@
                         <a:solidFill>
                           <a:schemeClr val="tx1"/>
                         </a:solidFill>
-                        <a:latin typeface="Cambria Math" panose="02040503050406030204" pitchFamily="18" charset="0"/>
                       </a:rPr>
                       <m:t>_</m:t>
                     </m:r>
@@ -16962,7 +17029,6 @@
                         <a:solidFill>
                           <a:schemeClr val="tx1"/>
                         </a:solidFill>
-                        <a:latin typeface="Cambria Math" panose="02040503050406030204" pitchFamily="18" charset="0"/>
                       </a:rPr>
                       <m:t>𝑡</m:t>
                     </m:r>
@@ -16978,7 +17044,10 @@
                 </a:r>
               </a:p>
               <a:p>
-                <a:pPr lvl="1"/>
+                <a:pPr lvl="1">
+                  <a:buFont typeface="Wingdings" panose="05000000000000000000" pitchFamily="2" charset="2"/>
+                  <a:buChar char="Ø"/>
+                </a:pPr>
                 <a:r>
                   <a:rPr lang="en-US" sz="2000" b="0" dirty="0">
                     <a:solidFill>
@@ -16994,9 +17063,7 @@
                 <a14:m>
                   <m:oMath xmlns:m="http://schemas.openxmlformats.org/officeDocument/2006/math">
                     <m:r>
-                      <a:rPr lang="en-US" sz="2000" b="0" i="1" smtClean="0">
-                        <a:latin typeface="Cambria Math" panose="02040503050406030204" pitchFamily="18" charset="0"/>
-                      </a:rPr>
+                      <a:rPr lang="en-US" sz="2000" b="0" i="1" smtClean="0"/>
                       <m:t>𝑁𝑈𝐿𝐿</m:t>
                     </m:r>
                   </m:oMath>
@@ -17011,8 +17078,12 @@
                 </a:r>
               </a:p>
               <a:p>
-                <a:r>
-                  <a:rPr lang="en-US" sz="2000" b="1" i="1" dirty="0">
+                <a:pPr>
+                  <a:buFont typeface="Wingdings" panose="05000000000000000000" pitchFamily="2" charset="2"/>
+                  <a:buChar char="q"/>
+                </a:pPr>
+                <a:r>
+                  <a:rPr lang="en-US" sz="2000" dirty="0">
                     <a:solidFill>
                       <a:schemeClr val="accent6"/>
                     </a:solidFill>
@@ -17029,7 +17100,10 @@
                 </a:r>
               </a:p>
               <a:p>
-                <a:pPr lvl="1"/>
+                <a:pPr lvl="1">
+                  <a:buFont typeface="Wingdings" panose="05000000000000000000" pitchFamily="2" charset="2"/>
+                  <a:buChar char="Ø"/>
+                </a:pPr>
                 <a:r>
                   <a:rPr lang="en-US" sz="2000" b="0" dirty="0">
                     <a:solidFill>
@@ -17039,7 +17113,7 @@
                   <a:t>The routine must have the following </a:t>
                 </a:r>
                 <a:r>
-                  <a:rPr lang="en-US" sz="2000" b="1" i="1" dirty="0">
+                  <a:rPr lang="en-US" sz="2000" dirty="0">
                     <a:solidFill>
                       <a:srgbClr val="FF0000"/>
                     </a:solidFill>
@@ -17061,7 +17135,6 @@
                         <a:solidFill>
                           <a:schemeClr val="tx1"/>
                         </a:solidFill>
-                        <a:latin typeface="Cambria Math" panose="02040503050406030204" pitchFamily="18" charset="0"/>
                       </a:rPr>
                       <m:t>𝑣𝑜𝑖𝑑</m:t>
                     </m:r>
@@ -17070,7 +17143,6 @@
                         <a:solidFill>
                           <a:schemeClr val="tx1"/>
                         </a:solidFill>
-                        <a:latin typeface="Cambria Math" panose="02040503050406030204" pitchFamily="18" charset="0"/>
                       </a:rPr>
                       <m:t> ∗</m:t>
                     </m:r>
@@ -17079,7 +17151,6 @@
                         <a:solidFill>
                           <a:schemeClr val="tx1"/>
                         </a:solidFill>
-                        <a:latin typeface="Cambria Math" panose="02040503050406030204" pitchFamily="18" charset="0"/>
                       </a:rPr>
                       <m:t>𝑠𝑡𝑎𝑟𝑡</m:t>
                     </m:r>
@@ -17088,7 +17159,6 @@
                         <a:solidFill>
                           <a:schemeClr val="tx1"/>
                         </a:solidFill>
-                        <a:latin typeface="Cambria Math" panose="02040503050406030204" pitchFamily="18" charset="0"/>
                       </a:rPr>
                       <m:t>(</m:t>
                     </m:r>
@@ -17097,7 +17167,6 @@
                         <a:solidFill>
                           <a:schemeClr val="tx1"/>
                         </a:solidFill>
-                        <a:latin typeface="Cambria Math" panose="02040503050406030204" pitchFamily="18" charset="0"/>
                       </a:rPr>
                       <m:t>𝑣𝑜𝑖𝑑</m:t>
                     </m:r>
@@ -17106,7 +17175,6 @@
                         <a:solidFill>
                           <a:schemeClr val="tx1"/>
                         </a:solidFill>
-                        <a:latin typeface="Cambria Math" panose="02040503050406030204" pitchFamily="18" charset="0"/>
                       </a:rPr>
                       <m:t> ∗)</m:t>
                     </m:r>
@@ -17122,8 +17190,12 @@
                 </a:r>
               </a:p>
               <a:p>
-                <a:r>
-                  <a:rPr lang="en-US" sz="2000" b="1" i="1" dirty="0">
+                <a:pPr>
+                  <a:buFont typeface="Wingdings" panose="05000000000000000000" pitchFamily="2" charset="2"/>
+                  <a:buChar char="q"/>
+                </a:pPr>
+                <a:r>
+                  <a:rPr lang="en-US" sz="2000" dirty="0">
                     <a:solidFill>
                       <a:schemeClr val="accent6"/>
                     </a:solidFill>
@@ -17139,7 +17211,7 @@
                   <a:t> : pointer to an object to be used as an argument to the function pointed to by </a:t>
                 </a:r>
                 <a:r>
-                  <a:rPr lang="en-US" sz="2000" b="1" i="1" dirty="0">
+                  <a:rPr lang="en-US" sz="2000" dirty="0">
                     <a:solidFill>
                       <a:schemeClr val="accent6"/>
                     </a:solidFill>
@@ -17148,7 +17220,10 @@
                 </a:r>
               </a:p>
               <a:p>
-                <a:pPr lvl="1"/>
+                <a:pPr lvl="1">
+                  <a:buFont typeface="Wingdings" panose="05000000000000000000" pitchFamily="2" charset="2"/>
+                  <a:buChar char="Ø"/>
+                </a:pPr>
                 <a:r>
                   <a:rPr lang="en-US" sz="2000" dirty="0">
                     <a:solidFill>
@@ -17158,7 +17233,7 @@
                   <a:t>We may </a:t>
                 </a:r>
                 <a:r>
-                  <a:rPr lang="en-US" sz="2000" b="1" i="1" dirty="0">
+                  <a:rPr lang="en-US" sz="2000" dirty="0">
                     <a:solidFill>
                       <a:srgbClr val="FF0000"/>
                     </a:solidFill>
@@ -17174,7 +17249,7 @@
                   <a:t> </a:t>
                 </a:r>
                 <a:r>
-                  <a:rPr lang="en-US" sz="2000" b="1" i="1" dirty="0">
+                  <a:rPr lang="en-US" sz="2000" dirty="0">
                     <a:solidFill>
                       <a:schemeClr val="accent6"/>
                     </a:solidFill>
@@ -17201,7 +17276,7 @@
             </p:txBody>
           </p:sp>
         </mc:Choice>
-        <mc:Fallback xmlns="">
+        <mc:Fallback>
           <p:sp>
             <p:nvSpPr>
               <p:cNvPr id="3" name="Content Placeholder 2">
@@ -17222,7 +17297,7 @@
               <a:blipFill>
                 <a:blip r:embed="rId2"/>
                 <a:stretch>
-                  <a:fillRect l="-638" t="-1401" r="-1043"/>
+                  <a:fillRect l="-638" t="-1401" r="-754"/>
                 </a:stretch>
               </a:blipFill>
             </p:spPr>
@@ -18717,8 +18792,8 @@
           </a:p>
         </p:txBody>
       </p:sp>
-      <mc:AlternateContent xmlns:mc="http://schemas.openxmlformats.org/markup-compatibility/2006" xmlns:a14="http://schemas.microsoft.com/office/drawing/2010/main">
-        <mc:Choice Requires="a14">
+      <mc:AlternateContent xmlns:mc="http://schemas.openxmlformats.org/markup-compatibility/2006">
+        <mc:Choice xmlns:a14="http://schemas.microsoft.com/office/drawing/2010/main" Requires="a14">
           <p:sp>
             <p:nvSpPr>
               <p:cNvPr id="3" name="Content Placeholder 2">
@@ -18791,46 +18866,23 @@
                 </a:r>
               </a:p>
               <a:p>
-                <a:pPr marL="0" indent="0">
-                  <a:buNone/>
+                <a:pPr lvl="1">
+                  <a:buFont typeface="Wingdings" panose="05000000000000000000" pitchFamily="2" charset="2"/>
+                  <a:buChar char="q"/>
                 </a:pPr>
-                <a:endParaRPr lang="en-US" sz="2000" dirty="0">
-                  <a:solidFill>
-                    <a:schemeClr val="accent1"/>
-                  </a:solidFill>
-                </a:endParaRPr>
-              </a:p>
-              <a:p>
-                <a:pPr lvl="1"/>
-                <a:r>
-                  <a:rPr lang="en-US" sz="2000" dirty="0">
-                    <a:solidFill>
-                      <a:schemeClr val="accent1"/>
-                    </a:solidFill>
-                  </a:rPr>
-                  <a:t>The </a:t>
-                </a:r>
-                <a:r>
-                  <a:rPr lang="en-US" sz="2000" b="1" i="1" dirty="0">
-                    <a:solidFill>
-                      <a:srgbClr val="FF0000"/>
-                    </a:solidFill>
-                  </a:rPr>
-                  <a:t>OS scheduler </a:t>
-                </a:r>
-                <a:r>
-                  <a:rPr lang="en-US" sz="2000" dirty="0">
-                    <a:solidFill>
-                      <a:schemeClr val="accent1"/>
-                    </a:solidFill>
-                  </a:rPr>
-                  <a:t>decides which thread will be scheduled next.</a:t>
+                <a:r>
+                  <a:rPr lang="en-US" sz="2000" dirty="0">
+                    <a:solidFill>
+                      <a:schemeClr val="accent1"/>
+                    </a:solidFill>
+                  </a:rPr>
+                  <a:t>The OS scheduler decides which thread will be scheduled next.</a:t>
                 </a:r>
               </a:p>
             </p:txBody>
           </p:sp>
         </mc:Choice>
-        <mc:Fallback xmlns="">
+        <mc:Fallback>
           <p:sp>
             <p:nvSpPr>
               <p:cNvPr id="3" name="Content Placeholder 2">
@@ -18892,7 +18944,7 @@
         </p:blipFill>
         <p:spPr>
           <a:xfrm>
-            <a:off x="3990293" y="3638550"/>
+            <a:off x="4009343" y="3429000"/>
             <a:ext cx="4401231" cy="2967037"/>
           </a:xfrm>
           <a:prstGeom prst="rect">
@@ -18988,7 +19040,7 @@
               <a:buNone/>
             </a:pPr>
             <a:r>
-              <a:rPr lang="en-US" sz="2000" b="1" i="1" dirty="0">
+              <a:rPr lang="en-US" sz="2000" dirty="0">
                 <a:solidFill>
                   <a:srgbClr val="FF0000"/>
                 </a:solidFill>
@@ -19004,7 +19056,7 @@
               <a:t> do not form a parent-child hierarchy as in the case of </a:t>
             </a:r>
             <a:r>
-              <a:rPr lang="en-US" sz="2000" b="1" i="1" dirty="0">
+              <a:rPr lang="en-US" sz="2000" dirty="0">
                 <a:solidFill>
                   <a:srgbClr val="FF0000"/>
                 </a:solidFill>
@@ -19036,7 +19088,7 @@
               <a:t>via the </a:t>
             </a:r>
             <a:r>
-              <a:rPr lang="en-US" sz="2000" b="1" i="1" dirty="0">
+              <a:rPr lang="en-US" sz="2000" dirty="0">
                 <a:solidFill>
                   <a:srgbClr val="FF0000"/>
                 </a:solidFill>
@@ -19063,7 +19115,10 @@
             </a:endParaRPr>
           </a:p>
           <a:p>
-            <a:pPr lvl="1"/>
+            <a:pPr lvl="1">
+              <a:buFont typeface="Wingdings" panose="05000000000000000000" pitchFamily="2" charset="2"/>
+              <a:buChar char="q"/>
+            </a:pPr>
             <a:r>
               <a:rPr lang="en-US" sz="2000" dirty="0">
                 <a:solidFill>
@@ -19073,7 +19128,7 @@
               <a:t>In other words, once created, threads are </a:t>
             </a:r>
             <a:r>
-              <a:rPr lang="en-US" sz="2000" b="1" i="1" dirty="0">
+              <a:rPr lang="en-US" sz="2000" dirty="0">
                 <a:solidFill>
                   <a:srgbClr val="FF0000"/>
                 </a:solidFill>
@@ -19437,8 +19492,8 @@
           </a:p>
         </p:txBody>
       </p:sp>
-      <mc:AlternateContent xmlns:mc="http://schemas.openxmlformats.org/markup-compatibility/2006" xmlns:a14="http://schemas.microsoft.com/office/drawing/2010/main">
-        <mc:Choice Requires="a14">
+      <mc:AlternateContent xmlns:mc="http://schemas.openxmlformats.org/markup-compatibility/2006">
+        <mc:Choice xmlns:a14="http://schemas.microsoft.com/office/drawing/2010/main" Requires="a14">
           <p:sp>
             <p:nvSpPr>
               <p:cNvPr id="3" name="Content Placeholder 2">
@@ -19472,7 +19527,7 @@
                   <a:t>The execution of a thread </a:t>
                 </a:r>
                 <a:r>
-                  <a:rPr lang="en-US" sz="2400" b="1" i="1" dirty="0">
+                  <a:rPr lang="en-US" sz="2400" dirty="0">
                     <a:solidFill>
                       <a:srgbClr val="FF0000"/>
                     </a:solidFill>
@@ -19489,7 +19544,10 @@
                 </a:r>
               </a:p>
               <a:p>
-                <a:pPr lvl="1"/>
+                <a:pPr lvl="1">
+                  <a:buFont typeface="Wingdings" panose="05000000000000000000" pitchFamily="2" charset="2"/>
+                  <a:buChar char="q"/>
+                </a:pPr>
                 <a:r>
                   <a:rPr lang="en-US" sz="2000" dirty="0">
                     <a:solidFill>
@@ -19499,12 +19557,20 @@
                   <a:t>The thread’s </a:t>
                 </a:r>
                 <a:r>
+                  <a:rPr lang="en-US" sz="2000" dirty="0">
+                    <a:solidFill>
+                      <a:schemeClr val="accent6"/>
+                    </a:solidFill>
+                  </a:rPr>
+                  <a:t>start</a:t>
+                </a:r>
+                <a:r>
                   <a:rPr lang="en-US" sz="2000" b="1" i="1" dirty="0">
                     <a:solidFill>
                       <a:schemeClr val="accent6"/>
                     </a:solidFill>
                   </a:rPr>
-                  <a:t>start </a:t>
+                  <a:t> </a:t>
                 </a:r>
                 <a:r>
                   <a:rPr lang="en-US" sz="2000" dirty="0">
@@ -19516,7 +19582,10 @@
                 </a:r>
               </a:p>
               <a:p>
-                <a:pPr lvl="1"/>
+                <a:pPr lvl="1">
+                  <a:buFont typeface="Wingdings" panose="05000000000000000000" pitchFamily="2" charset="2"/>
+                  <a:buChar char="q"/>
+                </a:pPr>
                 <a:r>
                   <a:rPr lang="en-US" sz="2000" dirty="0">
                     <a:solidFill>
@@ -19575,7 +19644,10 @@
                 </a:r>
               </a:p>
               <a:p>
-                <a:pPr lvl="1"/>
+                <a:pPr lvl="1">
+                  <a:buFont typeface="Wingdings" panose="05000000000000000000" pitchFamily="2" charset="2"/>
+                  <a:buChar char="q"/>
+                </a:pPr>
                 <a:r>
                   <a:rPr lang="en-US" sz="2000" dirty="0">
                     <a:solidFill>
@@ -19634,7 +19706,10 @@
                 </a:r>
               </a:p>
               <a:p>
-                <a:pPr lvl="1"/>
+                <a:pPr lvl="1">
+                  <a:buFont typeface="Wingdings" panose="05000000000000000000" pitchFamily="2" charset="2"/>
+                  <a:buChar char="q"/>
+                </a:pPr>
                 <a:r>
                   <a:rPr lang="en-US" sz="2000" dirty="0">
                     <a:solidFill>
@@ -19700,7 +19775,7 @@
                   <a:buNone/>
                 </a:pPr>
                 <a:r>
-                  <a:rPr lang="en-US" sz="2000" b="1" i="1" u="sng" dirty="0">
+                  <a:rPr lang="en-US" sz="2000" u="sng" dirty="0">
                     <a:solidFill>
                       <a:srgbClr val="FF0000"/>
                     </a:solidFill>
@@ -19708,7 +19783,7 @@
                   <a:t>Parameter</a:t>
                 </a:r>
                 <a:r>
-                  <a:rPr lang="en-US" sz="2000" b="1" i="1" dirty="0">
+                  <a:rPr lang="en-US" sz="2000" dirty="0">
                     <a:solidFill>
                       <a:srgbClr val="FF0000"/>
                     </a:solidFill>
@@ -19717,21 +19792,17 @@
                 </a:r>
               </a:p>
               <a:p>
-                <a:r>
-                  <a:rPr lang="en-US" sz="2000" b="1" i="1" dirty="0">
+                <a:pPr>
+                  <a:buFont typeface="Wingdings" panose="05000000000000000000" pitchFamily="2" charset="2"/>
+                  <a:buChar char="q"/>
+                </a:pPr>
+                <a:r>
+                  <a:rPr lang="en-US" sz="2000" dirty="0">
                     <a:solidFill>
                       <a:schemeClr val="accent6"/>
                     </a:solidFill>
                   </a:rPr>
-                  <a:t>retval</a:t>
-                </a:r>
-                <a:r>
-                  <a:rPr lang="en-US" sz="2000" dirty="0">
-                    <a:solidFill>
-                      <a:schemeClr val="accent6"/>
-                    </a:solidFill>
-                  </a:rPr>
-                  <a:t> </a:t>
+                  <a:t>retval </a:t>
                 </a:r>
                 <a:r>
                   <a:rPr lang="en-US" sz="2000" dirty="0">
@@ -19817,7 +19888,7 @@
             </p:txBody>
           </p:sp>
         </mc:Choice>
-        <mc:Fallback xmlns="">
+        <mc:Fallback>
           <p:sp>
             <p:nvSpPr>
               <p:cNvPr id="3" name="Content Placeholder 2">
